--- a/translations/en-us/beginner/Display.pptx
+++ b/translations/en-us/beginner/Display.pptx
@@ -124,7 +124,7 @@
   </p:defaultTextStyle>
   <p:extLst>
     <p:ext uri="{EFAFB233-063F-42B5-8137-9DF3F51BA10A}">
-      <p15:sldGuideLst xmlns="" xmlns:p15="http://schemas.microsoft.com/office/powerpoint/2012/main">
+      <p15:sldGuideLst xmlns:p15="http://schemas.microsoft.com/office/powerpoint/2012/main">
         <p15:guide id="1" orient="horz" pos="2160">
           <p15:clr>
             <a:srgbClr val="A4A3A4"/>
@@ -223,7 +223,7 @@
           <a:p>
             <a:fld id="{F8D9B3D7-15CB-9343-AA49-EFB5A8F33F18}" type="datetimeFigureOut">
               <a:rPr lang="en-US" smtClean="0"/>
-              <a:t>2/27/15</a:t>
+              <a:t>11/14/15</a:t>
             </a:fld>
             <a:endParaRPr lang="en-US"/>
           </a:p>
@@ -389,7 +389,7 @@
           <a:p>
             <a:fld id="{FD3EFF1E-85A1-6640-AFB9-C38833E80A84}" type="datetimeFigureOut">
               <a:rPr lang="en-US" smtClean="0"/>
-              <a:t>2/27/15</a:t>
+              <a:t>11/14/15</a:t>
             </a:fld>
             <a:endParaRPr lang="en-US"/>
           </a:p>
@@ -1187,7 +1187,7 @@
           <a:p>
             <a:fld id="{9479E09A-DFCF-9948-99C0-8E35366B8AF2}" type="datetime1">
               <a:rPr lang="en-US" smtClean="0"/>
-              <a:t>2/27/15</a:t>
+              <a:t>11/14/15</a:t>
             </a:fld>
             <a:endParaRPr lang="en-US"/>
           </a:p>
@@ -1377,7 +1377,7 @@
   <p:timing>
     <p:tnLst>
       <p:par>
-        <p:cTn xmlns:p14="http://schemas.microsoft.com/office/powerpoint/2010/main" id="1" dur="indefinite" restart="never" nodeType="tmRoot"/>
+        <p:cTn id="1" dur="indefinite" restart="never" nodeType="tmRoot"/>
       </p:par>
     </p:tnLst>
   </p:timing>
@@ -1493,7 +1493,7 @@
           <a:p>
             <a:fld id="{3BA37D03-BC31-534C-B2AB-29199FB4C0F2}" type="datetime1">
               <a:rPr lang="en-US" smtClean="0"/>
-              <a:t>2/27/15</a:t>
+              <a:t>11/14/15</a:t>
             </a:fld>
             <a:endParaRPr lang="en-US"/>
           </a:p>
@@ -1680,7 +1680,7 @@
           <a:p>
             <a:fld id="{1FE24D12-1342-E14C-90E7-03D0D9B05B75}" type="datetime1">
               <a:rPr lang="en-US" smtClean="0"/>
-              <a:t>2/27/15</a:t>
+              <a:t>11/14/15</a:t>
             </a:fld>
             <a:endParaRPr lang="en-US"/>
           </a:p>
@@ -1879,7 +1879,7 @@
           <a:p>
             <a:fld id="{A6087458-8A98-8B4E-961F-FA12D0B74031}" type="datetime1">
               <a:rPr lang="en-US" smtClean="0"/>
-              <a:t>2/27/15</a:t>
+              <a:t>11/14/15</a:t>
             </a:fld>
             <a:endParaRPr lang="en-US"/>
           </a:p>
@@ -2053,7 +2053,7 @@
           <a:p>
             <a:fld id="{84C1361C-59F1-1448-9277-DB2B0528CEFF}" type="datetime1">
               <a:rPr lang="en-US" smtClean="0"/>
-              <a:t>2/27/15</a:t>
+              <a:t>11/14/15</a:t>
             </a:fld>
             <a:endParaRPr lang="en-US"/>
           </a:p>
@@ -2303,7 +2303,7 @@
           <a:p>
             <a:fld id="{2EA0A06A-90E1-7E47-9839-B526382D4203}" type="datetime1">
               <a:rPr lang="en-US" smtClean="0"/>
-              <a:t>2/27/15</a:t>
+              <a:t>11/14/15</a:t>
             </a:fld>
             <a:endParaRPr lang="en-US"/>
           </a:p>
@@ -2539,7 +2539,7 @@
           <a:p>
             <a:fld id="{811733E3-A2E2-1745-B5B2-42BB2C97642A}" type="datetime1">
               <a:rPr lang="en-US" smtClean="0"/>
-              <a:t>2/27/15</a:t>
+              <a:t>11/14/15</a:t>
             </a:fld>
             <a:endParaRPr lang="en-US"/>
           </a:p>
@@ -2910,7 +2910,7 @@
           <a:p>
             <a:fld id="{99E9ED15-093D-564F-96D8-88A1E10AE60C}" type="datetime1">
               <a:rPr lang="en-US" smtClean="0"/>
-              <a:t>2/27/15</a:t>
+              <a:t>11/14/15</a:t>
             </a:fld>
             <a:endParaRPr lang="en-US"/>
           </a:p>
@@ -3032,7 +3032,7 @@
           <a:p>
             <a:fld id="{8A527D48-330A-0C4C-AB3F-503D0829F04F}" type="datetime1">
               <a:rPr lang="en-US" smtClean="0"/>
-              <a:t>2/27/15</a:t>
+              <a:t>11/14/15</a:t>
             </a:fld>
             <a:endParaRPr lang="en-US"/>
           </a:p>
@@ -3131,7 +3131,7 @@
           <a:p>
             <a:fld id="{8D6389B7-298B-E247-85D8-5BE001B1B347}" type="datetime1">
               <a:rPr lang="en-US" smtClean="0"/>
-              <a:t>2/27/15</a:t>
+              <a:t>11/14/15</a:t>
             </a:fld>
             <a:endParaRPr lang="en-US"/>
           </a:p>
@@ -3412,7 +3412,7 @@
           <a:p>
             <a:fld id="{52019FD5-2A98-6443-A16B-D1F301A4B0E5}" type="datetime1">
               <a:rPr lang="en-US" smtClean="0"/>
-              <a:t>2/27/15</a:t>
+              <a:t>11/14/15</a:t>
             </a:fld>
             <a:endParaRPr lang="en-US"/>
           </a:p>
@@ -3596,7 +3596,7 @@
           <a:p>
             <a:fld id="{A911B6AA-FBA4-C841-856B-92C0BB99EB1B}" type="datetime1">
               <a:rPr lang="en-US" smtClean="0"/>
-              <a:t>2/27/15</a:t>
+              <a:t>11/14/15</a:t>
             </a:fld>
             <a:endParaRPr lang="en-US"/>
           </a:p>
@@ -3664,7 +3664,7 @@
   <p:timing>
     <p:tnLst>
       <p:par>
-        <p:cTn xmlns:p14="http://schemas.microsoft.com/office/powerpoint/2010/main" id="1" dur="indefinite" restart="never" nodeType="tmRoot"/>
+        <p:cTn id="1" dur="indefinite" restart="never" nodeType="tmRoot"/>
       </p:par>
     </p:tnLst>
   </p:timing>
@@ -3863,7 +3863,7 @@
           <a:p>
             <a:fld id="{C1312F92-0729-664D-AB05-BB5278773CA5}" type="datetime1">
               <a:rPr lang="en-US" smtClean="0"/>
-              <a:t>2/27/15</a:t>
+              <a:t>11/14/15</a:t>
             </a:fld>
             <a:endParaRPr lang="en-US"/>
           </a:p>
@@ -4037,7 +4037,7 @@
           <a:p>
             <a:fld id="{01CB3D31-EBC4-CB45-8A03-DA5119396400}" type="datetime1">
               <a:rPr lang="en-US" smtClean="0"/>
-              <a:t>2/27/15</a:t>
+              <a:t>11/14/15</a:t>
             </a:fld>
             <a:endParaRPr lang="en-US"/>
           </a:p>
@@ -4221,7 +4221,7 @@
           <a:p>
             <a:fld id="{2021049D-AE0F-8A4A-85C4-C93FFAC412C3}" type="datetime1">
               <a:rPr lang="en-US" smtClean="0"/>
-              <a:t>2/27/15</a:t>
+              <a:t>11/14/15</a:t>
             </a:fld>
             <a:endParaRPr lang="en-US"/>
           </a:p>
@@ -4479,7 +4479,7 @@
           <a:p>
             <a:fld id="{CD54B9AA-1462-9846-BB96-903D8808102D}" type="datetime1">
               <a:rPr lang="en-US" smtClean="0"/>
-              <a:t>2/27/15</a:t>
+              <a:t>11/14/15</a:t>
             </a:fld>
             <a:endParaRPr lang="en-US"/>
           </a:p>
@@ -4779,7 +4779,7 @@
           <a:p>
             <a:fld id="{86BA5F0D-AF48-D44D-AB6D-4896756761DA}" type="datetime1">
               <a:rPr lang="en-US" smtClean="0"/>
-              <a:t>2/27/15</a:t>
+              <a:t>11/14/15</a:t>
             </a:fld>
             <a:endParaRPr lang="en-US"/>
           </a:p>
@@ -4847,7 +4847,7 @@
   <p:timing>
     <p:tnLst>
       <p:par>
-        <p:cTn xmlns:p14="http://schemas.microsoft.com/office/powerpoint/2010/main" id="1" dur="indefinite" restart="never" nodeType="tmRoot"/>
+        <p:cTn id="1" dur="indefinite" restart="never" nodeType="tmRoot"/>
       </p:par>
     </p:tnLst>
   </p:timing>
@@ -5237,7 +5237,7 @@
           <a:p>
             <a:fld id="{5FB6D4A3-CD2E-1540-B1DF-B19E1FDD6235}" type="datetime1">
               <a:rPr lang="en-US" smtClean="0"/>
-              <a:t>2/27/15</a:t>
+              <a:t>11/14/15</a:t>
             </a:fld>
             <a:endParaRPr lang="en-US"/>
           </a:p>
@@ -5305,7 +5305,7 @@
   <p:timing>
     <p:tnLst>
       <p:par>
-        <p:cTn xmlns:p14="http://schemas.microsoft.com/office/powerpoint/2010/main" id="1" dur="indefinite" restart="never" nodeType="tmRoot"/>
+        <p:cTn id="1" dur="indefinite" restart="never" nodeType="tmRoot"/>
       </p:par>
     </p:tnLst>
   </p:timing>
@@ -5369,7 +5369,7 @@
           <a:p>
             <a:fld id="{563FC896-F499-0844-A5F6-F4FA5C130CC6}" type="datetime1">
               <a:rPr lang="en-US" smtClean="0"/>
-              <a:t>2/27/15</a:t>
+              <a:t>11/14/15</a:t>
             </a:fld>
             <a:endParaRPr lang="en-US"/>
           </a:p>
@@ -5437,7 +5437,7 @@
   <p:timing>
     <p:tnLst>
       <p:par>
-        <p:cTn xmlns:p14="http://schemas.microsoft.com/office/powerpoint/2010/main" id="1" dur="indefinite" restart="never" nodeType="tmRoot"/>
+        <p:cTn id="1" dur="indefinite" restart="never" nodeType="tmRoot"/>
       </p:par>
     </p:tnLst>
   </p:timing>
@@ -5478,7 +5478,7 @@
           <a:p>
             <a:fld id="{8B08A671-228D-5C4E-B916-24D334D43400}" type="datetime1">
               <a:rPr lang="en-US" smtClean="0"/>
-              <a:t>2/27/15</a:t>
+              <a:t>11/14/15</a:t>
             </a:fld>
             <a:endParaRPr lang="en-US"/>
           </a:p>
@@ -5732,7 +5732,7 @@
           <a:p>
             <a:fld id="{5948E5B2-E53D-B34D-8BEE-7316028BD0F8}" type="datetime1">
               <a:rPr lang="en-US" smtClean="0"/>
-              <a:t>2/27/15</a:t>
+              <a:t>11/14/15</a:t>
             </a:fld>
             <a:endParaRPr lang="en-US"/>
           </a:p>
@@ -6038,7 +6038,7 @@
           <a:p>
             <a:fld id="{339BBE66-C3A1-1F40-B907-F72013EA63D6}" type="datetime1">
               <a:rPr lang="en-US" smtClean="0"/>
-              <a:t>2/27/15</a:t>
+              <a:t>11/14/15</a:t>
             </a:fld>
             <a:endParaRPr lang="en-US"/>
           </a:p>
@@ -6344,7 +6344,7 @@
           <a:p>
             <a:fld id="{F34D5EE3-E270-D846-8ABC-4206D7AE2281}" type="datetime1">
               <a:rPr lang="en-US" smtClean="0"/>
-              <a:t>2/27/15</a:t>
+              <a:t>11/14/15</a:t>
             </a:fld>
             <a:endParaRPr lang="en-US"/>
           </a:p>
@@ -6553,7 +6553,7 @@
   <p:timing>
     <p:tnLst>
       <p:par>
-        <p:cTn xmlns:p14="http://schemas.microsoft.com/office/powerpoint/2010/main" id="1" dur="indefinite" restart="never" nodeType="tmRoot"/>
+        <p:cTn id="1" dur="indefinite" restart="never" nodeType="tmRoot"/>
       </p:par>
     </p:tnLst>
   </p:timing>
@@ -6990,7 +6990,7 @@
           <a:p>
             <a:fld id="{A50AC318-B6C6-DD4C-BD37-EF3071557319}" type="datetime1">
               <a:rPr lang="en-US" smtClean="0"/>
-              <a:t>2/27/15</a:t>
+              <a:t>11/14/15</a:t>
             </a:fld>
             <a:endParaRPr lang="en-US"/>
           </a:p>
@@ -7469,36 +7469,6 @@
           </a:p>
         </p:txBody>
       </p:sp>
-      <p:pic>
-        <p:nvPicPr>
-          <p:cNvPr id="3" name="Picture 2" descr="Droidslogo2.png"/>
-          <p:cNvPicPr>
-            <a:picLocks noChangeAspect="1"/>
-          </p:cNvPicPr>
-          <p:nvPr/>
-        </p:nvPicPr>
-        <p:blipFill>
-          <a:blip r:embed="rId3">
-            <a:extLst>
-              <a:ext uri="{28A0092B-C50C-407E-A947-70E740481C1C}">
-                <a14:useLocalDpi xmlns:a14="http://schemas.microsoft.com/office/drawing/2010/main" val="0"/>
-              </a:ext>
-            </a:extLst>
-          </a:blip>
-          <a:stretch>
-            <a:fillRect/>
-          </a:stretch>
-        </p:blipFill>
-        <p:spPr>
-          <a:xfrm>
-            <a:off x="402306" y="5456830"/>
-            <a:ext cx="1085195" cy="1085195"/>
-          </a:xfrm>
-          <a:prstGeom prst="rect">
-            <a:avLst/>
-          </a:prstGeom>
-        </p:spPr>
-      </p:pic>
       <p:sp>
         <p:nvSpPr>
           <p:cNvPr id="4" name="TextBox 3"/>
@@ -7554,7 +7524,7 @@
           <p:nvPr/>
         </p:nvPicPr>
         <p:blipFill>
-          <a:blip r:embed="rId4">
+          <a:blip r:embed="rId3">
             <a:extLst>
               <a:ext uri="{28A0092B-C50C-407E-A947-70E740481C1C}">
                 <a14:useLocalDpi xmlns:a14="http://schemas.microsoft.com/office/drawing/2010/main" val="0"/>
@@ -7577,13 +7547,43 @@
           <a:noFill/>
           <a:extLst>
             <a:ext uri="{909E8E84-426E-40dd-AFC4-6F175D3DCCD1}">
-              <a14:hiddenFill xmlns:a14="http://schemas.microsoft.com/office/drawing/2010/main">
+              <a14:hiddenFill xmlns:a14="http://schemas.microsoft.com/office/drawing/2010/main" xmlns="">
                 <a:solidFill>
                   <a:srgbClr val="FFFFFF"/>
                 </a:solidFill>
               </a14:hiddenFill>
             </a:ext>
           </a:extLst>
+        </p:spPr>
+      </p:pic>
+      <p:pic>
+        <p:nvPicPr>
+          <p:cNvPr id="5" name="Picture 4"/>
+          <p:cNvPicPr>
+            <a:picLocks noChangeAspect="1"/>
+          </p:cNvPicPr>
+          <p:nvPr/>
+        </p:nvPicPr>
+        <p:blipFill>
+          <a:blip r:embed="rId4">
+            <a:extLst>
+              <a:ext uri="{28A0092B-C50C-407E-A947-70E740481C1C}">
+                <a14:useLocalDpi xmlns:a14="http://schemas.microsoft.com/office/drawing/2010/main" val="0"/>
+              </a:ext>
+            </a:extLst>
+          </a:blip>
+          <a:stretch>
+            <a:fillRect/>
+          </a:stretch>
+        </p:blipFill>
+        <p:spPr>
+          <a:xfrm>
+            <a:off x="147120" y="5190565"/>
+            <a:ext cx="1340381" cy="1282298"/>
+          </a:xfrm>
+          <a:prstGeom prst="rect">
+            <a:avLst/>
+          </a:prstGeom>
         </p:spPr>
       </p:pic>
     </p:spTree>
@@ -7599,7 +7599,7 @@
   <p:timing>
     <p:tnLst>
       <p:par>
-        <p:cTn xmlns:p14="http://schemas.microsoft.com/office/powerpoint/2010/main" id="1" dur="indefinite" restart="never" nodeType="tmRoot"/>
+        <p:cTn id="1" dur="indefinite" restart="never" nodeType="tmRoot"/>
       </p:par>
     </p:tnLst>
   </p:timing>
@@ -7854,7 +7854,7 @@
   <p:timing>
     <p:tnLst>
       <p:par>
-        <p:cTn xmlns:p14="http://schemas.microsoft.com/office/powerpoint/2010/main" id="1" dur="indefinite" restart="never" nodeType="tmRoot"/>
+        <p:cTn id="1" dur="indefinite" restart="never" nodeType="tmRoot"/>
       </p:par>
     </p:tnLst>
   </p:timing>
@@ -7936,11 +7936,7 @@
             </a:r>
             <a:r>
               <a:rPr lang="en-US" altLang="en-US" dirty="0" smtClean="0"/>
-              <a:t>ou might have to program a robot to stop when the robot </a:t>
-            </a:r>
-            <a:r>
-              <a:rPr lang="en-US" altLang="en-US" dirty="0" smtClean="0"/>
-              <a:t>reaches a red line but it </a:t>
+              <a:t>ou might have to program a robot to stop when the robot reaches a red line but it </a:t>
             </a:r>
             <a:r>
               <a:rPr lang="en-US" altLang="en-US" smtClean="0"/>
@@ -8034,7 +8030,7 @@
   <p:timing>
     <p:tnLst>
       <p:par>
-        <p:cTn xmlns:p14="http://schemas.microsoft.com/office/powerpoint/2010/main" id="1" dur="indefinite" restart="never" nodeType="tmRoot"/>
+        <p:cTn id="1" dur="indefinite" restart="never" nodeType="tmRoot"/>
       </p:par>
     </p:tnLst>
   </p:timing>
@@ -8201,7 +8197,7 @@
           <a:effectLst/>
           <a:extLst>
             <a:ext uri="{91240B29-F687-4f45-9708-019B960494DF}">
-              <a14:hiddenLine xmlns:a14="http://schemas.microsoft.com/office/drawing/2010/main" w="9525">
+              <a14:hiddenLine xmlns:a14="http://schemas.microsoft.com/office/drawing/2010/main" xmlns="" w="9525">
                 <a:solidFill>
                   <a:schemeClr val="tx1"/>
                 </a:solidFill>
@@ -8211,7 +8207,7 @@
               </a14:hiddenLine>
             </a:ext>
             <a:ext uri="{AF507438-7753-43e0-B8FC-AC1667EBCBE1}">
-              <a14:hiddenEffects xmlns:a14="http://schemas.microsoft.com/office/drawing/2010/main">
+              <a14:hiddenEffects xmlns:a14="http://schemas.microsoft.com/office/drawing/2010/main" xmlns="">
                 <a:effectLst>
                   <a:outerShdw dist="35921" dir="2700000" algn="ctr" rotWithShape="0">
                     <a:schemeClr val="bg2"/>
@@ -8564,7 +8560,7 @@
           <a:noFill/>
           <a:extLst>
             <a:ext uri="{909E8E84-426E-40dd-AFC4-6F175D3DCCD1}">
-              <a14:hiddenFill xmlns:a14="http://schemas.microsoft.com/office/drawing/2010/main">
+              <a14:hiddenFill xmlns:a14="http://schemas.microsoft.com/office/drawing/2010/main" xmlns="">
                 <a:solidFill>
                   <a:srgbClr val="FFFFFF"/>
                 </a:solidFill>
@@ -8609,7 +8605,7 @@
   <p:timing>
     <p:tnLst>
       <p:par>
-        <p:cTn xmlns:p14="http://schemas.microsoft.com/office/powerpoint/2010/main" id="1" dur="indefinite" restart="never" nodeType="tmRoot"/>
+        <p:cTn id="1" dur="indefinite" restart="never" nodeType="tmRoot"/>
       </p:par>
     </p:tnLst>
   </p:timing>
@@ -8751,7 +8747,7 @@
   <p:timing>
     <p:tnLst>
       <p:par>
-        <p:cTn xmlns:p14="http://schemas.microsoft.com/office/powerpoint/2010/main" id="1" dur="indefinite" restart="never" nodeType="tmRoot"/>
+        <p:cTn id="1" dur="indefinite" restart="never" nodeType="tmRoot"/>
       </p:par>
     </p:tnLst>
   </p:timing>
@@ -8989,7 +8985,7 @@
   <p:timing>
     <p:tnLst>
       <p:par>
-        <p:cTn xmlns:p14="http://schemas.microsoft.com/office/powerpoint/2010/main" id="1" dur="indefinite" restart="never" nodeType="tmRoot"/>
+        <p:cTn id="1" dur="indefinite" restart="never" nodeType="tmRoot"/>
       </p:par>
     </p:tnLst>
   </p:timing>
@@ -9201,7 +9197,7 @@
   <p:timing>
     <p:tnLst>
       <p:par>
-        <p:cTn xmlns:p14="http://schemas.microsoft.com/office/powerpoint/2010/main" id="1" dur="indefinite" restart="never" nodeType="tmRoot"/>
+        <p:cTn id="1" dur="indefinite" restart="never" nodeType="tmRoot"/>
       </p:par>
     </p:tnLst>
   </p:timing>
@@ -9312,7 +9308,7 @@
             </a:ln>
             <a:extLst>
               <a:ext uri="{909E8E84-426E-40dd-AFC4-6F175D3DCCD1}">
-                <a14:hiddenFill xmlns:a14="http://schemas.microsoft.com/office/drawing/2010/main">
+                <a14:hiddenFill xmlns:a14="http://schemas.microsoft.com/office/drawing/2010/main" xmlns="">
                   <a:solidFill>
                     <a:srgbClr val="FFFFFF"/>
                   </a:solidFill>
@@ -9535,7 +9531,7 @@
             </a:ln>
             <a:extLst>
               <a:ext uri="{909E8E84-426E-40dd-AFC4-6F175D3DCCD1}">
-                <a14:hiddenFill xmlns:a14="http://schemas.microsoft.com/office/drawing/2010/main">
+                <a14:hiddenFill xmlns:a14="http://schemas.microsoft.com/office/drawing/2010/main" xmlns="">
                   <a:solidFill>
                     <a:srgbClr val="FFFFFF"/>
                   </a:solidFill>
@@ -9815,7 +9811,7 @@
             </a:ln>
             <a:extLst>
               <a:ext uri="{909E8E84-426E-40dd-AFC4-6F175D3DCCD1}">
-                <a14:hiddenFill xmlns:a14="http://schemas.microsoft.com/office/drawing/2010/main">
+                <a14:hiddenFill xmlns:a14="http://schemas.microsoft.com/office/drawing/2010/main" xmlns="">
                   <a:solidFill>
                     <a:srgbClr val="FFFFFF"/>
                   </a:solidFill>
@@ -10039,7 +10035,7 @@
             </a:ln>
             <a:extLst>
               <a:ext uri="{909E8E84-426E-40dd-AFC4-6F175D3DCCD1}">
-                <a14:hiddenFill xmlns:a14="http://schemas.microsoft.com/office/drawing/2010/main">
+                <a14:hiddenFill xmlns:a14="http://schemas.microsoft.com/office/drawing/2010/main" xmlns="">
                   <a:solidFill>
                     <a:srgbClr val="FFFFFF"/>
                   </a:solidFill>
@@ -10263,7 +10259,7 @@
             </a:ln>
             <a:extLst>
               <a:ext uri="{909E8E84-426E-40dd-AFC4-6F175D3DCCD1}">
-                <a14:hiddenFill xmlns:a14="http://schemas.microsoft.com/office/drawing/2010/main">
+                <a14:hiddenFill xmlns:a14="http://schemas.microsoft.com/office/drawing/2010/main" xmlns="">
                   <a:solidFill>
                     <a:srgbClr val="FFFFFF"/>
                   </a:solidFill>
@@ -10487,7 +10483,7 @@
             </a:ln>
             <a:extLst>
               <a:ext uri="{909E8E84-426E-40dd-AFC4-6F175D3DCCD1}">
-                <a14:hiddenFill xmlns:a14="http://schemas.microsoft.com/office/drawing/2010/main">
+                <a14:hiddenFill xmlns:a14="http://schemas.microsoft.com/office/drawing/2010/main" xmlns="">
                   <a:solidFill>
                     <a:srgbClr val="FFFFFF"/>
                   </a:solidFill>
@@ -10711,7 +10707,7 @@
             </a:ln>
             <a:extLst>
               <a:ext uri="{909E8E84-426E-40dd-AFC4-6F175D3DCCD1}">
-                <a14:hiddenFill xmlns:a14="http://schemas.microsoft.com/office/drawing/2010/main">
+                <a14:hiddenFill xmlns:a14="http://schemas.microsoft.com/office/drawing/2010/main" xmlns="">
                   <a:solidFill>
                     <a:srgbClr val="FFFFFF"/>
                   </a:solidFill>
@@ -10935,7 +10931,7 @@
             </a:ln>
             <a:extLst>
               <a:ext uri="{909E8E84-426E-40dd-AFC4-6F175D3DCCD1}">
-                <a14:hiddenFill xmlns:a14="http://schemas.microsoft.com/office/drawing/2010/main">
+                <a14:hiddenFill xmlns:a14="http://schemas.microsoft.com/office/drawing/2010/main" xmlns="">
                   <a:solidFill>
                     <a:srgbClr val="FFFFFF"/>
                   </a:solidFill>
@@ -11411,7 +11407,7 @@
           </a:ln>
           <a:extLst>
             <a:ext uri="{909E8E84-426E-40dd-AFC4-6F175D3DCCD1}">
-              <a14:hiddenFill xmlns:a14="http://schemas.microsoft.com/office/drawing/2010/main">
+              <a14:hiddenFill xmlns:a14="http://schemas.microsoft.com/office/drawing/2010/main" xmlns="">
                 <a:solidFill>
                   <a:srgbClr val="FFFFFF"/>
                 </a:solidFill>
@@ -11775,7 +11771,7 @@
   <p:timing>
     <p:tnLst>
       <p:par>
-        <p:cTn xmlns:p14="http://schemas.microsoft.com/office/powerpoint/2010/main" id="1" dur="indefinite" restart="never" nodeType="tmRoot"/>
+        <p:cTn id="1" dur="indefinite" restart="never" nodeType="tmRoot"/>
       </p:par>
     </p:tnLst>
   </p:timing>
@@ -11935,7 +11931,7 @@
   <p:timing>
     <p:tnLst>
       <p:par>
-        <p:cTn xmlns:p14="http://schemas.microsoft.com/office/powerpoint/2010/main" id="1" dur="indefinite" restart="never" nodeType="tmRoot"/>
+        <p:cTn id="1" dur="indefinite" restart="never" nodeType="tmRoot"/>
       </p:par>
     </p:tnLst>
   </p:timing>
@@ -12069,7 +12065,7 @@
   <p:timing>
     <p:tnLst>
       <p:par>
-        <p:cTn xmlns:p14="http://schemas.microsoft.com/office/powerpoint/2010/main" id="1" dur="indefinite" restart="never" nodeType="tmRoot"/>
+        <p:cTn id="1" dur="indefinite" restart="never" nodeType="tmRoot"/>
       </p:par>
     </p:tnLst>
   </p:timing>
@@ -12324,7 +12320,7 @@
   <p:timing>
     <p:tnLst>
       <p:par>
-        <p:cTn xmlns:p14="http://schemas.microsoft.com/office/powerpoint/2010/main" id="1" dur="indefinite" restart="never" nodeType="tmRoot"/>
+        <p:cTn id="1" dur="indefinite" restart="never" nodeType="tmRoot"/>
       </p:par>
     </p:tnLst>
   </p:timing>
@@ -12592,7 +12588,7 @@
   <p:timing>
     <p:tnLst>
       <p:par>
-        <p:cTn xmlns:p14="http://schemas.microsoft.com/office/powerpoint/2010/main" id="1" dur="indefinite" restart="never" nodeType="tmRoot"/>
+        <p:cTn id="1" dur="indefinite" restart="never" nodeType="tmRoot"/>
       </p:par>
     </p:tnLst>
   </p:timing>
@@ -13107,7 +13103,7 @@
   <a:extraClrSchemeLst/>
   <a:extLst>
     <a:ext uri="{05A4C25C-085E-4340-85A3-A5531E510DB2}">
-      <thm15:themeFamily xmlns="" xmlns:thm15="http://schemas.microsoft.com/office/thememl/2012/main" name="Office Theme" id="{62F939B6-93AF-4DB8-9C6B-D6C7DFDC589F}" vid="{4A3C46E8-61CC-4603-A589-7422A47A8E4A}"/>
+      <thm15:themeFamily xmlns:thm15="http://schemas.microsoft.com/office/thememl/2012/main" name="Office Theme" id="{62F939B6-93AF-4DB8-9C6B-D6C7DFDC589F}" vid="{4A3C46E8-61CC-4603-A589-7422A47A8E4A}"/>
     </a:ext>
   </a:extLst>
 </a:theme>

--- a/translations/en-us/beginner/Display.pptx
+++ b/translations/en-us/beginner/Display.pptx
@@ -6,10 +6,10 @@
     <p:sldMasterId id="2147483726" r:id="rId2"/>
   </p:sldMasterIdLst>
   <p:notesMasterIdLst>
-    <p:notesMasterId r:id="rId15"/>
+    <p:notesMasterId r:id="rId17"/>
   </p:notesMasterIdLst>
   <p:handoutMasterIdLst>
-    <p:handoutMasterId r:id="rId16"/>
+    <p:handoutMasterId r:id="rId18"/>
   </p:handoutMasterIdLst>
   <p:sldIdLst>
     <p:sldId id="408" r:id="rId3"/>
@@ -19,11 +19,13 @@
     <p:sldId id="416" r:id="rId7"/>
     <p:sldId id="411" r:id="rId8"/>
     <p:sldId id="412" r:id="rId9"/>
-    <p:sldId id="417" r:id="rId10"/>
-    <p:sldId id="330" r:id="rId11"/>
-    <p:sldId id="348" r:id="rId12"/>
-    <p:sldId id="413" r:id="rId13"/>
-    <p:sldId id="401" r:id="rId14"/>
+    <p:sldId id="419" r:id="rId10"/>
+    <p:sldId id="420" r:id="rId11"/>
+    <p:sldId id="417" r:id="rId12"/>
+    <p:sldId id="330" r:id="rId13"/>
+    <p:sldId id="348" r:id="rId14"/>
+    <p:sldId id="413" r:id="rId15"/>
+    <p:sldId id="401" r:id="rId16"/>
   </p:sldIdLst>
   <p:sldSz cx="9144000" cy="6858000" type="screen4x3"/>
   <p:notesSz cx="6858000" cy="9144000"/>
@@ -223,7 +225,7 @@
           <a:p>
             <a:fld id="{F8D9B3D7-15CB-9343-AA49-EFB5A8F33F18}" type="datetimeFigureOut">
               <a:rPr lang="en-US" smtClean="0"/>
-              <a:t>11/14/15</a:t>
+              <a:t>1/17/16</a:t>
             </a:fld>
             <a:endParaRPr lang="en-US"/>
           </a:p>
@@ -389,7 +391,7 @@
           <a:p>
             <a:fld id="{FD3EFF1E-85A1-6640-AFB9-C38833E80A84}" type="datetimeFigureOut">
               <a:rPr lang="en-US" smtClean="0"/>
-              <a:t>11/14/15</a:t>
+              <a:t>1/17/16</a:t>
             </a:fld>
             <a:endParaRPr lang="en-US"/>
           </a:p>
@@ -891,7 +893,7 @@
           <a:p>
             <a:fld id="{13967457-1E83-1040-AFF7-8D09C473DBD5}" type="slidenum">
               <a:rPr lang="en-US" smtClean="0"/>
-              <a:t>8</a:t>
+              <a:t>10</a:t>
             </a:fld>
             <a:endParaRPr lang="en-US"/>
           </a:p>
@@ -975,7 +977,7 @@
           <a:p>
             <a:fld id="{13967457-1E83-1040-AFF7-8D09C473DBD5}" type="slidenum">
               <a:rPr lang="en-US" smtClean="0"/>
-              <a:t>9</a:t>
+              <a:t>11</a:t>
             </a:fld>
             <a:endParaRPr lang="en-US"/>
           </a:p>
@@ -1185,9 +1187,9 @@
           <a:bodyPr/>
           <a:lstStyle/>
           <a:p>
-            <a:fld id="{9479E09A-DFCF-9948-99C0-8E35366B8AF2}" type="datetime1">
-              <a:rPr lang="en-US" smtClean="0"/>
-              <a:t>11/14/15</a:t>
+            <a:fld id="{1C800F43-E1BE-2D40-BF3F-742E0D535B41}" type="datetime1">
+              <a:rPr lang="en-US" smtClean="0"/>
+              <a:t>1/17/16</a:t>
             </a:fld>
             <a:endParaRPr lang="en-US"/>
           </a:p>
@@ -1210,7 +1212,7 @@
           <a:p>
             <a:r>
               <a:rPr lang="en-US" smtClean="0"/>
-              <a:t>Copyright © EV3Lessons.com 2015 (Last edit: 2/26/2015)</a:t>
+              <a:t>Copyright © EV3Lessons.com 2015 (Last edit: 1/17/2016)</a:t>
             </a:r>
             <a:endParaRPr lang="en-US"/>
           </a:p>
@@ -1491,9 +1493,9 @@
           <a:bodyPr/>
           <a:lstStyle/>
           <a:p>
-            <a:fld id="{3BA37D03-BC31-534C-B2AB-29199FB4C0F2}" type="datetime1">
-              <a:rPr lang="en-US" smtClean="0"/>
-              <a:t>11/14/15</a:t>
+            <a:fld id="{FD0DF098-772A-E14E-A7C7-C554892C290C}" type="datetime1">
+              <a:rPr lang="en-US" smtClean="0"/>
+              <a:t>1/17/16</a:t>
             </a:fld>
             <a:endParaRPr lang="en-US"/>
           </a:p>
@@ -1516,7 +1518,7 @@
           <a:p>
             <a:r>
               <a:rPr lang="en-US" smtClean="0"/>
-              <a:t>Copyright © EV3Lessons.com 2015 (Last edit: 2/26/2015)</a:t>
+              <a:t>Copyright © EV3Lessons.com 2015 (Last edit: 1/17/2016)</a:t>
             </a:r>
             <a:endParaRPr lang="en-US"/>
           </a:p>
@@ -1678,9 +1680,9 @@
           <a:bodyPr/>
           <a:lstStyle/>
           <a:p>
-            <a:fld id="{1FE24D12-1342-E14C-90E7-03D0D9B05B75}" type="datetime1">
-              <a:rPr lang="en-US" smtClean="0"/>
-              <a:t>11/14/15</a:t>
+            <a:fld id="{93498DE3-B925-A542-AC0E-B77744E660C9}" type="datetime1">
+              <a:rPr lang="en-US" smtClean="0"/>
+              <a:t>1/17/16</a:t>
             </a:fld>
             <a:endParaRPr lang="en-US"/>
           </a:p>
@@ -1703,7 +1705,7 @@
           <a:p>
             <a:r>
               <a:rPr lang="en-US" smtClean="0"/>
-              <a:t>Copyright © EV3Lessons.com 2015 (Last edit: 2/26/2015)</a:t>
+              <a:t>Copyright © EV3Lessons.com 2015 (Last edit: 1/17/2016)</a:t>
             </a:r>
             <a:endParaRPr lang="en-US"/>
           </a:p>
@@ -1877,9 +1879,9 @@
           <a:bodyPr/>
           <a:lstStyle/>
           <a:p>
-            <a:fld id="{A6087458-8A98-8B4E-961F-FA12D0B74031}" type="datetime1">
-              <a:rPr lang="en-US" smtClean="0"/>
-              <a:t>11/14/15</a:t>
+            <a:fld id="{7ADE8E24-2529-824B-BCF9-7739A727B915}" type="datetime1">
+              <a:rPr lang="en-US" smtClean="0"/>
+              <a:t>1/17/16</a:t>
             </a:fld>
             <a:endParaRPr lang="en-US"/>
           </a:p>
@@ -1902,7 +1904,7 @@
           <a:p>
             <a:r>
               <a:rPr lang="en-US" smtClean="0"/>
-              <a:t>Copyright © EV3Lessons.com 2015 (Last edit: 2/26/2015)</a:t>
+              <a:t>Copyright © EV3Lessons.com 2015 (Last edit: 1/17/2016)</a:t>
             </a:r>
             <a:endParaRPr lang="en-US"/>
           </a:p>
@@ -2051,9 +2053,9 @@
           <a:bodyPr/>
           <a:lstStyle/>
           <a:p>
-            <a:fld id="{84C1361C-59F1-1448-9277-DB2B0528CEFF}" type="datetime1">
-              <a:rPr lang="en-US" smtClean="0"/>
-              <a:t>11/14/15</a:t>
+            <a:fld id="{E330A74C-3375-1447-85E4-1BDBB27D81BE}" type="datetime1">
+              <a:rPr lang="en-US" smtClean="0"/>
+              <a:t>1/17/16</a:t>
             </a:fld>
             <a:endParaRPr lang="en-US"/>
           </a:p>
@@ -2076,7 +2078,7 @@
           <a:p>
             <a:r>
               <a:rPr lang="en-US" smtClean="0"/>
-              <a:t>Copyright © EV3Lessons.com 2015 (Last edit: 2/26/2015)</a:t>
+              <a:t>Copyright © EV3Lessons.com 2015 (Last edit: 1/17/2016)</a:t>
             </a:r>
             <a:endParaRPr lang="en-US"/>
           </a:p>
@@ -2301,9 +2303,9 @@
           <a:bodyPr/>
           <a:lstStyle/>
           <a:p>
-            <a:fld id="{2EA0A06A-90E1-7E47-9839-B526382D4203}" type="datetime1">
-              <a:rPr lang="en-US" smtClean="0"/>
-              <a:t>11/14/15</a:t>
+            <a:fld id="{B528A3E6-8562-104F-A37C-4FDE60240B15}" type="datetime1">
+              <a:rPr lang="en-US" smtClean="0"/>
+              <a:t>1/17/16</a:t>
             </a:fld>
             <a:endParaRPr lang="en-US"/>
           </a:p>
@@ -2326,7 +2328,7 @@
           <a:p>
             <a:r>
               <a:rPr lang="en-US" smtClean="0"/>
-              <a:t>Copyright © EV3Lessons.com 2015 (Last edit: 2/26/2015)</a:t>
+              <a:t>Copyright © EV3Lessons.com 2015 (Last edit: 1/17/2016)</a:t>
             </a:r>
             <a:endParaRPr lang="en-US"/>
           </a:p>
@@ -2537,9 +2539,9 @@
           <a:bodyPr/>
           <a:lstStyle/>
           <a:p>
-            <a:fld id="{811733E3-A2E2-1745-B5B2-42BB2C97642A}" type="datetime1">
-              <a:rPr lang="en-US" smtClean="0"/>
-              <a:t>11/14/15</a:t>
+            <a:fld id="{DD67A461-40D1-CA46-A0FF-C2DAD7CE7EB4}" type="datetime1">
+              <a:rPr lang="en-US" smtClean="0"/>
+              <a:t>1/17/16</a:t>
             </a:fld>
             <a:endParaRPr lang="en-US"/>
           </a:p>
@@ -2562,7 +2564,7 @@
           <a:p>
             <a:r>
               <a:rPr lang="en-US" smtClean="0"/>
-              <a:t>Copyright © EV3Lessons.com 2015 (Last edit: 2/26/2015)</a:t>
+              <a:t>Copyright © EV3Lessons.com 2015 (Last edit: 1/17/2016)</a:t>
             </a:r>
             <a:endParaRPr lang="en-US"/>
           </a:p>
@@ -2908,9 +2910,9 @@
           <a:bodyPr/>
           <a:lstStyle/>
           <a:p>
-            <a:fld id="{99E9ED15-093D-564F-96D8-88A1E10AE60C}" type="datetime1">
-              <a:rPr lang="en-US" smtClean="0"/>
-              <a:t>11/14/15</a:t>
+            <a:fld id="{4192CBC5-7C22-F244-8147-3DDA09E10D71}" type="datetime1">
+              <a:rPr lang="en-US" smtClean="0"/>
+              <a:t>1/17/16</a:t>
             </a:fld>
             <a:endParaRPr lang="en-US"/>
           </a:p>
@@ -2933,7 +2935,7 @@
           <a:p>
             <a:r>
               <a:rPr lang="en-US" smtClean="0"/>
-              <a:t>Copyright © EV3Lessons.com 2015 (Last edit: 2/26/2015)</a:t>
+              <a:t>Copyright © EV3Lessons.com 2015 (Last edit: 1/17/2016)</a:t>
             </a:r>
             <a:endParaRPr lang="en-US"/>
           </a:p>
@@ -3030,9 +3032,9 @@
           <a:bodyPr/>
           <a:lstStyle/>
           <a:p>
-            <a:fld id="{8A527D48-330A-0C4C-AB3F-503D0829F04F}" type="datetime1">
-              <a:rPr lang="en-US" smtClean="0"/>
-              <a:t>11/14/15</a:t>
+            <a:fld id="{18CEE2CE-B4BE-6248-A2B7-8368BF345395}" type="datetime1">
+              <a:rPr lang="en-US" smtClean="0"/>
+              <a:t>1/17/16</a:t>
             </a:fld>
             <a:endParaRPr lang="en-US"/>
           </a:p>
@@ -3055,7 +3057,7 @@
           <a:p>
             <a:r>
               <a:rPr lang="en-US" smtClean="0"/>
-              <a:t>Copyright © EV3Lessons.com 2015 (Last edit: 2/26/2015)</a:t>
+              <a:t>Copyright © EV3Lessons.com 2015 (Last edit: 1/17/2016)</a:t>
             </a:r>
             <a:endParaRPr lang="en-US"/>
           </a:p>
@@ -3129,9 +3131,9 @@
           <a:bodyPr/>
           <a:lstStyle/>
           <a:p>
-            <a:fld id="{8D6389B7-298B-E247-85D8-5BE001B1B347}" type="datetime1">
-              <a:rPr lang="en-US" smtClean="0"/>
-              <a:t>11/14/15</a:t>
+            <a:fld id="{8A3FC47B-4365-7341-A98F-2EA6192868D9}" type="datetime1">
+              <a:rPr lang="en-US" smtClean="0"/>
+              <a:t>1/17/16</a:t>
             </a:fld>
             <a:endParaRPr lang="en-US"/>
           </a:p>
@@ -3154,7 +3156,7 @@
           <a:p>
             <a:r>
               <a:rPr lang="en-US" smtClean="0"/>
-              <a:t>Copyright © EV3Lessons.com 2015 (Last edit: 2/26/2015)</a:t>
+              <a:t>Copyright © EV3Lessons.com 2015 (Last edit: 1/17/2016)</a:t>
             </a:r>
             <a:endParaRPr lang="en-US"/>
           </a:p>
@@ -3410,9 +3412,9 @@
           <a:bodyPr/>
           <a:lstStyle/>
           <a:p>
-            <a:fld id="{52019FD5-2A98-6443-A16B-D1F301A4B0E5}" type="datetime1">
-              <a:rPr lang="en-US" smtClean="0"/>
-              <a:t>11/14/15</a:t>
+            <a:fld id="{107AB5D0-F2ED-104D-A23B-506557B8849B}" type="datetime1">
+              <a:rPr lang="en-US" smtClean="0"/>
+              <a:t>1/17/16</a:t>
             </a:fld>
             <a:endParaRPr lang="en-US"/>
           </a:p>
@@ -3435,7 +3437,7 @@
           <a:p>
             <a:r>
               <a:rPr lang="en-US" smtClean="0"/>
-              <a:t>Copyright © EV3Lessons.com 2015 (Last edit: 2/26/2015)</a:t>
+              <a:t>Copyright © EV3Lessons.com 2015 (Last edit: 1/17/2016)</a:t>
             </a:r>
             <a:endParaRPr lang="en-US"/>
           </a:p>
@@ -3594,9 +3596,9 @@
           <a:bodyPr/>
           <a:lstStyle/>
           <a:p>
-            <a:fld id="{A911B6AA-FBA4-C841-856B-92C0BB99EB1B}" type="datetime1">
-              <a:rPr lang="en-US" smtClean="0"/>
-              <a:t>11/14/15</a:t>
+            <a:fld id="{7C9BDADD-623E-7F4B-8782-63803A32F3B3}" type="datetime1">
+              <a:rPr lang="en-US" smtClean="0"/>
+              <a:t>1/17/16</a:t>
             </a:fld>
             <a:endParaRPr lang="en-US"/>
           </a:p>
@@ -3619,7 +3621,7 @@
           <a:p>
             <a:r>
               <a:rPr lang="en-US" smtClean="0"/>
-              <a:t>Copyright © EV3Lessons.com 2015 (Last edit: 2/26/2015)</a:t>
+              <a:t>Copyright © EV3Lessons.com 2015 (Last edit: 1/17/2016)</a:t>
             </a:r>
             <a:endParaRPr lang="en-US"/>
           </a:p>
@@ -3861,9 +3863,9 @@
           <a:bodyPr/>
           <a:lstStyle/>
           <a:p>
-            <a:fld id="{C1312F92-0729-664D-AB05-BB5278773CA5}" type="datetime1">
-              <a:rPr lang="en-US" smtClean="0"/>
-              <a:t>11/14/15</a:t>
+            <a:fld id="{84499677-D27A-BE4F-B93E-C8BFC17D7681}" type="datetime1">
+              <a:rPr lang="en-US" smtClean="0"/>
+              <a:t>1/17/16</a:t>
             </a:fld>
             <a:endParaRPr lang="en-US"/>
           </a:p>
@@ -3886,7 +3888,7 @@
           <a:p>
             <a:r>
               <a:rPr lang="en-US" smtClean="0"/>
-              <a:t>Copyright © EV3Lessons.com 2015 (Last edit: 2/26/2015)</a:t>
+              <a:t>Copyright © EV3Lessons.com 2015 (Last edit: 1/17/2016)</a:t>
             </a:r>
             <a:endParaRPr lang="en-US"/>
           </a:p>
@@ -4035,9 +4037,9 @@
           <a:bodyPr/>
           <a:lstStyle/>
           <a:p>
-            <a:fld id="{01CB3D31-EBC4-CB45-8A03-DA5119396400}" type="datetime1">
-              <a:rPr lang="en-US" smtClean="0"/>
-              <a:t>11/14/15</a:t>
+            <a:fld id="{E0732DCC-324C-5F47-992E-3EA84DC9BD14}" type="datetime1">
+              <a:rPr lang="en-US" smtClean="0"/>
+              <a:t>1/17/16</a:t>
             </a:fld>
             <a:endParaRPr lang="en-US"/>
           </a:p>
@@ -4060,7 +4062,7 @@
           <a:p>
             <a:r>
               <a:rPr lang="en-US" smtClean="0"/>
-              <a:t>Copyright © EV3Lessons.com 2015 (Last edit: 2/26/2015)</a:t>
+              <a:t>Copyright © EV3Lessons.com 2015 (Last edit: 1/17/2016)</a:t>
             </a:r>
             <a:endParaRPr lang="en-US"/>
           </a:p>
@@ -4219,9 +4221,9 @@
           <a:bodyPr/>
           <a:lstStyle/>
           <a:p>
-            <a:fld id="{2021049D-AE0F-8A4A-85C4-C93FFAC412C3}" type="datetime1">
-              <a:rPr lang="en-US" smtClean="0"/>
-              <a:t>11/14/15</a:t>
+            <a:fld id="{310F47BF-3C9E-F04B-8454-DF39110923BE}" type="datetime1">
+              <a:rPr lang="en-US" smtClean="0"/>
+              <a:t>1/17/16</a:t>
             </a:fld>
             <a:endParaRPr lang="en-US"/>
           </a:p>
@@ -4244,7 +4246,7 @@
           <a:p>
             <a:r>
               <a:rPr lang="en-US" smtClean="0"/>
-              <a:t>Copyright © EV3Lessons.com 2015 (Last edit: 2/26/2015)</a:t>
+              <a:t>Copyright © EV3Lessons.com 2015 (Last edit: 1/17/2016)</a:t>
             </a:r>
             <a:endParaRPr lang="en-US"/>
           </a:p>
@@ -4477,9 +4479,9 @@
           <a:bodyPr/>
           <a:lstStyle/>
           <a:p>
-            <a:fld id="{CD54B9AA-1462-9846-BB96-903D8808102D}" type="datetime1">
-              <a:rPr lang="en-US" smtClean="0"/>
-              <a:t>11/14/15</a:t>
+            <a:fld id="{F3ED961C-8211-C041-88D6-463A233B22A9}" type="datetime1">
+              <a:rPr lang="en-US" smtClean="0"/>
+              <a:t>1/17/16</a:t>
             </a:fld>
             <a:endParaRPr lang="en-US"/>
           </a:p>
@@ -4533,7 +4535,7 @@
           <a:p>
             <a:r>
               <a:rPr lang="en-US" smtClean="0"/>
-              <a:t>Copyright © EV3Lessons.com 2015 (Last edit: 2/26/2015)</a:t>
+              <a:t>Copyright © EV3Lessons.com 2015 (Last edit: 1/17/2016)</a:t>
             </a:r>
             <a:endParaRPr lang="en-US"/>
           </a:p>
@@ -4777,9 +4779,9 @@
           <a:bodyPr/>
           <a:lstStyle/>
           <a:p>
-            <a:fld id="{86BA5F0D-AF48-D44D-AB6D-4896756761DA}" type="datetime1">
-              <a:rPr lang="en-US" smtClean="0"/>
-              <a:t>11/14/15</a:t>
+            <a:fld id="{D161D64D-73F5-3746-A3D1-208196C523F8}" type="datetime1">
+              <a:rPr lang="en-US" smtClean="0"/>
+              <a:t>1/17/16</a:t>
             </a:fld>
             <a:endParaRPr lang="en-US"/>
           </a:p>
@@ -4802,7 +4804,7 @@
           <a:p>
             <a:r>
               <a:rPr lang="en-US" smtClean="0"/>
-              <a:t>Copyright © EV3Lessons.com 2015 (Last edit: 2/26/2015)</a:t>
+              <a:t>Copyright © EV3Lessons.com 2015 (Last edit: 1/17/2016)</a:t>
             </a:r>
             <a:endParaRPr lang="en-US"/>
           </a:p>
@@ -5235,9 +5237,9 @@
           <a:bodyPr/>
           <a:lstStyle/>
           <a:p>
-            <a:fld id="{5FB6D4A3-CD2E-1540-B1DF-B19E1FDD6235}" type="datetime1">
-              <a:rPr lang="en-US" smtClean="0"/>
-              <a:t>11/14/15</a:t>
+            <a:fld id="{7174F79F-2E60-6A46-90DD-507C7A5BD389}" type="datetime1">
+              <a:rPr lang="en-US" smtClean="0"/>
+              <a:t>1/17/16</a:t>
             </a:fld>
             <a:endParaRPr lang="en-US"/>
           </a:p>
@@ -5260,7 +5262,7 @@
           <a:p>
             <a:r>
               <a:rPr lang="en-US" smtClean="0"/>
-              <a:t>Copyright © EV3Lessons.com 2015 (Last edit: 2/26/2015)</a:t>
+              <a:t>Copyright © EV3Lessons.com 2015 (Last edit: 1/17/2016)</a:t>
             </a:r>
             <a:endParaRPr lang="en-US"/>
           </a:p>
@@ -5367,9 +5369,9 @@
           <a:bodyPr/>
           <a:lstStyle/>
           <a:p>
-            <a:fld id="{563FC896-F499-0844-A5F6-F4FA5C130CC6}" type="datetime1">
-              <a:rPr lang="en-US" smtClean="0"/>
-              <a:t>11/14/15</a:t>
+            <a:fld id="{8F214C82-FBBD-9240-8514-C8ADEE68CD40}" type="datetime1">
+              <a:rPr lang="en-US" smtClean="0"/>
+              <a:t>1/17/16</a:t>
             </a:fld>
             <a:endParaRPr lang="en-US"/>
           </a:p>
@@ -5392,7 +5394,7 @@
           <a:p>
             <a:r>
               <a:rPr lang="en-US" smtClean="0"/>
-              <a:t>Copyright © EV3Lessons.com 2015 (Last edit: 2/26/2015)</a:t>
+              <a:t>Copyright © EV3Lessons.com 2015 (Last edit: 1/17/2016)</a:t>
             </a:r>
             <a:endParaRPr lang="en-US"/>
           </a:p>
@@ -5476,9 +5478,9 @@
           <a:bodyPr/>
           <a:lstStyle/>
           <a:p>
-            <a:fld id="{8B08A671-228D-5C4E-B916-24D334D43400}" type="datetime1">
-              <a:rPr lang="en-US" smtClean="0"/>
-              <a:t>11/14/15</a:t>
+            <a:fld id="{EAC6B06D-3782-5841-B61D-949D0B8E6F6F}" type="datetime1">
+              <a:rPr lang="en-US" smtClean="0"/>
+              <a:t>1/17/16</a:t>
             </a:fld>
             <a:endParaRPr lang="en-US"/>
           </a:p>
@@ -5501,7 +5503,7 @@
           <a:p>
             <a:r>
               <a:rPr lang="en-US" smtClean="0"/>
-              <a:t>Copyright © EV3Lessons.com 2015 (Last edit: 2/26/2015)</a:t>
+              <a:t>Copyright © EV3Lessons.com 2015 (Last edit: 1/17/2016)</a:t>
             </a:r>
             <a:endParaRPr lang="en-US"/>
           </a:p>
@@ -5730,9 +5732,9 @@
           <a:bodyPr/>
           <a:lstStyle/>
           <a:p>
-            <a:fld id="{5948E5B2-E53D-B34D-8BEE-7316028BD0F8}" type="datetime1">
-              <a:rPr lang="en-US" smtClean="0"/>
-              <a:t>11/14/15</a:t>
+            <a:fld id="{589F022E-EE00-8342-A063-49251D9A8ED3}" type="datetime1">
+              <a:rPr lang="en-US" smtClean="0"/>
+              <a:t>1/17/16</a:t>
             </a:fld>
             <a:endParaRPr lang="en-US"/>
           </a:p>
@@ -5755,7 +5757,7 @@
           <a:p>
             <a:r>
               <a:rPr lang="en-US" smtClean="0"/>
-              <a:t>Copyright © EV3Lessons.com 2015 (Last edit: 2/26/2015)</a:t>
+              <a:t>Copyright © EV3Lessons.com 2015 (Last edit: 1/17/2016)</a:t>
             </a:r>
             <a:endParaRPr lang="en-US"/>
           </a:p>
@@ -6036,9 +6038,9 @@
           <a:bodyPr/>
           <a:lstStyle/>
           <a:p>
-            <a:fld id="{339BBE66-C3A1-1F40-B907-F72013EA63D6}" type="datetime1">
-              <a:rPr lang="en-US" smtClean="0"/>
-              <a:t>11/14/15</a:t>
+            <a:fld id="{EAD92E45-C83A-FD44-9C3A-7E1970D444BC}" type="datetime1">
+              <a:rPr lang="en-US" smtClean="0"/>
+              <a:t>1/17/16</a:t>
             </a:fld>
             <a:endParaRPr lang="en-US"/>
           </a:p>
@@ -6061,7 +6063,7 @@
           <a:p>
             <a:r>
               <a:rPr lang="en-US" smtClean="0"/>
-              <a:t>Copyright © EV3Lessons.com 2015 (Last edit: 2/26/2015)</a:t>
+              <a:t>Copyright © EV3Lessons.com 2015 (Last edit: 1/17/2016)</a:t>
             </a:r>
             <a:endParaRPr lang="en-US"/>
           </a:p>
@@ -6342,9 +6344,9 @@
             </a:lvl1pPr>
           </a:lstStyle>
           <a:p>
-            <a:fld id="{F34D5EE3-E270-D846-8ABC-4206D7AE2281}" type="datetime1">
-              <a:rPr lang="en-US" smtClean="0"/>
-              <a:t>11/14/15</a:t>
+            <a:fld id="{3EB2100F-F048-974D-9333-FF76A8618153}" type="datetime1">
+              <a:rPr lang="en-US" smtClean="0"/>
+              <a:t>1/17/16</a:t>
             </a:fld>
             <a:endParaRPr lang="en-US"/>
           </a:p>
@@ -6383,7 +6385,7 @@
           <a:p>
             <a:r>
               <a:rPr lang="en-US" smtClean="0"/>
-              <a:t>Copyright © EV3Lessons.com 2015 (Last edit: 2/26/2015)</a:t>
+              <a:t>Copyright © EV3Lessons.com 2015 (Last edit: 1/17/2016)</a:t>
             </a:r>
             <a:endParaRPr lang="en-US" dirty="0"/>
           </a:p>
@@ -6988,9 +6990,9 @@
             </a:lvl1pPr>
           </a:lstStyle>
           <a:p>
-            <a:fld id="{A50AC318-B6C6-DD4C-BD37-EF3071557319}" type="datetime1">
-              <a:rPr lang="en-US" smtClean="0"/>
-              <a:t>11/14/15</a:t>
+            <a:fld id="{BAC323A9-646B-5D48-B6D2-430B7FE6633B}" type="datetime1">
+              <a:rPr lang="en-US" smtClean="0"/>
+              <a:t>1/17/16</a:t>
             </a:fld>
             <a:endParaRPr lang="en-US"/>
           </a:p>
@@ -7031,7 +7033,7 @@
           <a:p>
             <a:r>
               <a:rPr lang="en-US" smtClean="0"/>
-              <a:t>Copyright © EV3Lessons.com 2015 (Last edit: 2/26/2015)</a:t>
+              <a:t>Copyright © EV3Lessons.com 2015 (Last edit: 1/17/2016)</a:t>
             </a:r>
             <a:endParaRPr lang="en-US"/>
           </a:p>
@@ -7547,7 +7549,7 @@
           <a:noFill/>
           <a:extLst>
             <a:ext uri="{909E8E84-426E-40dd-AFC4-6F175D3DCCD1}">
-              <a14:hiddenFill xmlns:a14="http://schemas.microsoft.com/office/drawing/2010/main" xmlns="">
+              <a14:hiddenFill xmlns="" xmlns:a14="http://schemas.microsoft.com/office/drawing/2010/main">
                 <a:solidFill>
                   <a:srgbClr val="FFFFFF"/>
                 </a:solidFill>
@@ -7625,7 +7627,7 @@
       </p:grpSpPr>
       <p:sp>
         <p:nvSpPr>
-          <p:cNvPr id="2" name="Title 1"/>
+          <p:cNvPr id="44034" name="Title 1"/>
           <p:cNvSpPr>
             <a:spLocks noGrp="1"/>
           </p:cNvSpPr>
@@ -7639,165 +7641,165 @@
           <a:lstStyle/>
           <a:p>
             <a:r>
-              <a:rPr lang="en-US" dirty="0" smtClean="0"/>
-              <a:t>CHALLENGE 2 Solution</a:t>
-            </a:r>
-            <a:endParaRPr lang="en-US" dirty="0"/>
+              <a:rPr lang="en-US" altLang="en-US" dirty="0" smtClean="0"/>
+              <a:t>Displaying an image in PIXEL Mode</a:t>
+            </a:r>
           </a:p>
         </p:txBody>
       </p:sp>
       <p:pic>
         <p:nvPicPr>
-          <p:cNvPr id="5" name="Picture 4" descr="Screen Shot 2014-08-08 at 5.44.32 PM.png"/>
+          <p:cNvPr id="3" name="Picture 2"/>
+          <p:cNvPicPr>
+            <a:picLocks noChangeAspect="1"/>
+          </p:cNvPicPr>
+          <p:nvPr/>
+        </p:nvPicPr>
+        <p:blipFill>
+          <a:blip r:embed="rId3"/>
+          <a:stretch>
+            <a:fillRect/>
+          </a:stretch>
+        </p:blipFill>
+        <p:spPr>
+          <a:xfrm>
+            <a:off x="3576256" y="2771086"/>
+            <a:ext cx="1302902" cy="1653983"/>
+          </a:xfrm>
+          <a:prstGeom prst="rect">
+            <a:avLst/>
+          </a:prstGeom>
+        </p:spPr>
+      </p:pic>
+      <p:sp>
+        <p:nvSpPr>
+          <p:cNvPr id="4" name="TextBox 3"/>
+          <p:cNvSpPr txBox="1"/>
+          <p:nvPr/>
+        </p:nvSpPr>
+        <p:spPr>
+          <a:xfrm>
+            <a:off x="4879158" y="1759642"/>
+            <a:ext cx="3321425" cy="4247317"/>
+          </a:xfrm>
+          <a:prstGeom prst="rect">
+            <a:avLst/>
+          </a:prstGeom>
+          <a:noFill/>
+        </p:spPr>
+        <p:txBody>
+          <a:bodyPr wrap="square" rtlCol="0">
+            <a:spAutoFit/>
+          </a:bodyPr>
+          <a:lstStyle/>
+          <a:p>
+            <a:r>
+              <a:rPr lang="en-US" b="1" dirty="0" smtClean="0"/>
+              <a:t>Step 1: </a:t>
+            </a:r>
+          </a:p>
+          <a:p>
+            <a:r>
+              <a:rPr lang="en-US" dirty="0" smtClean="0"/>
+              <a:t>Pick Display Block</a:t>
+            </a:r>
+          </a:p>
+          <a:p>
+            <a:endParaRPr lang="en-US" dirty="0" smtClean="0"/>
+          </a:p>
+          <a:p>
+            <a:endParaRPr lang="en-US" b="1" dirty="0" smtClean="0"/>
+          </a:p>
+          <a:p>
+            <a:r>
+              <a:rPr lang="en-US" b="1" dirty="0" smtClean="0"/>
+              <a:t>Step 2:</a:t>
+            </a:r>
+          </a:p>
+          <a:p>
+            <a:r>
+              <a:rPr lang="en-US" dirty="0"/>
+              <a:t>C</a:t>
+            </a:r>
+            <a:r>
+              <a:rPr lang="en-US" dirty="0" smtClean="0"/>
+              <a:t>lick on the “Select Mode” which has a folder icon and pick “image”</a:t>
+            </a:r>
+          </a:p>
+          <a:p>
+            <a:endParaRPr lang="en-US" dirty="0"/>
+          </a:p>
+          <a:p>
+            <a:endParaRPr lang="en-US" b="1" dirty="0" smtClean="0"/>
+          </a:p>
+          <a:p>
+            <a:r>
+              <a:rPr lang="en-US" b="1" dirty="0" smtClean="0"/>
+              <a:t>Step 3:</a:t>
+            </a:r>
+            <a:endParaRPr lang="en-US" dirty="0"/>
+          </a:p>
+          <a:p>
+            <a:r>
+              <a:rPr lang="en-US" dirty="0" smtClean="0"/>
+              <a:t>Use the empty box on the top right to pick the image you want to display</a:t>
+            </a:r>
+          </a:p>
+          <a:p>
+            <a:endParaRPr lang="en-US" dirty="0"/>
+          </a:p>
+        </p:txBody>
+      </p:sp>
+      <p:pic>
+        <p:nvPicPr>
+          <p:cNvPr id="5" name="Picture 4"/>
           <p:cNvPicPr>
             <a:picLocks noChangeAspect="1"/>
           </p:cNvPicPr>
           <p:nvPr/>
         </p:nvPicPr>
         <p:blipFill rotWithShape="1">
-          <a:blip r:embed="rId2">
-            <a:extLst>
-              <a:ext uri="{28A0092B-C50C-407E-A947-70E740481C1C}">
-                <a14:useLocalDpi xmlns:a14="http://schemas.microsoft.com/office/drawing/2010/main" val="0"/>
-              </a:ext>
-            </a:extLst>
-          </a:blip>
-          <a:srcRect l="7487" r="2924"/>
+          <a:blip r:embed="rId4"/>
+          <a:srcRect l="3678" t="15588" b="9412"/>
           <a:stretch/>
         </p:blipFill>
         <p:spPr>
           <a:xfrm>
-            <a:off x="552180" y="1693851"/>
-            <a:ext cx="8192052" cy="2509503"/>
+            <a:off x="377109" y="1708754"/>
+            <a:ext cx="4389872" cy="931684"/>
           </a:xfrm>
           <a:prstGeom prst="rect">
             <a:avLst/>
           </a:prstGeom>
         </p:spPr>
       </p:pic>
-      <p:sp>
-        <p:nvSpPr>
-          <p:cNvPr id="7" name="TextBox 6"/>
-          <p:cNvSpPr txBox="1"/>
+      <p:pic>
+        <p:nvPicPr>
+          <p:cNvPr id="9" name="Picture 8"/>
+          <p:cNvPicPr>
+            <a:picLocks noChangeAspect="1"/>
+          </p:cNvPicPr>
           <p:nvPr/>
-        </p:nvSpPr>
+        </p:nvPicPr>
+        <p:blipFill>
+          <a:blip r:embed="rId5"/>
+          <a:stretch>
+            <a:fillRect/>
+          </a:stretch>
+        </p:blipFill>
         <p:spPr>
           <a:xfrm>
-            <a:off x="1844261" y="3732696"/>
-            <a:ext cx="1292087" cy="646331"/>
+            <a:off x="2096861" y="4555717"/>
+            <a:ext cx="2782297" cy="1969205"/>
           </a:xfrm>
           <a:prstGeom prst="rect">
             <a:avLst/>
           </a:prstGeom>
-          <a:noFill/>
         </p:spPr>
-        <p:txBody>
-          <a:bodyPr wrap="square" rtlCol="0">
-            <a:spAutoFit/>
-          </a:bodyPr>
-          <a:lstStyle/>
-          <a:p>
-            <a:r>
-              <a:rPr lang="en-US" dirty="0" smtClean="0"/>
-              <a:t>Display Block</a:t>
-            </a:r>
-            <a:endParaRPr lang="en-US" dirty="0"/>
-          </a:p>
-        </p:txBody>
-      </p:sp>
-      <p:sp>
-        <p:nvSpPr>
-          <p:cNvPr id="8" name="TextBox 7"/>
-          <p:cNvSpPr txBox="1"/>
-          <p:nvPr/>
-        </p:nvSpPr>
-        <p:spPr>
-          <a:xfrm>
-            <a:off x="552174" y="3853043"/>
-            <a:ext cx="1292087" cy="369332"/>
-          </a:xfrm>
-          <a:prstGeom prst="rect">
-            <a:avLst/>
-          </a:prstGeom>
-          <a:noFill/>
-        </p:spPr>
-        <p:txBody>
-          <a:bodyPr wrap="square" rtlCol="0">
-            <a:spAutoFit/>
-          </a:bodyPr>
-          <a:lstStyle/>
-          <a:p>
-            <a:r>
-              <a:rPr lang="en-US" dirty="0" smtClean="0"/>
-              <a:t>Motor On</a:t>
-            </a:r>
-            <a:endParaRPr lang="en-US" dirty="0"/>
-          </a:p>
-        </p:txBody>
-      </p:sp>
-      <p:sp>
-        <p:nvSpPr>
-          <p:cNvPr id="9" name="TextBox 8"/>
-          <p:cNvSpPr txBox="1"/>
-          <p:nvPr/>
-        </p:nvSpPr>
-        <p:spPr>
-          <a:xfrm>
-            <a:off x="2968488" y="3753656"/>
-            <a:ext cx="996122" cy="646331"/>
-          </a:xfrm>
-          <a:prstGeom prst="rect">
-            <a:avLst/>
-          </a:prstGeom>
-          <a:noFill/>
-        </p:spPr>
-        <p:txBody>
-          <a:bodyPr wrap="square" rtlCol="0">
-            <a:spAutoFit/>
-          </a:bodyPr>
-          <a:lstStyle/>
-          <a:p>
-            <a:r>
-              <a:rPr lang="en-US" dirty="0" smtClean="0"/>
-              <a:t>Wait Block</a:t>
-            </a:r>
-            <a:endParaRPr lang="en-US" dirty="0"/>
-          </a:p>
-        </p:txBody>
-      </p:sp>
-      <p:sp>
-        <p:nvSpPr>
-          <p:cNvPr id="10" name="TextBox 9"/>
-          <p:cNvSpPr txBox="1"/>
-          <p:nvPr/>
-        </p:nvSpPr>
-        <p:spPr>
-          <a:xfrm>
-            <a:off x="7929217" y="3753656"/>
-            <a:ext cx="947531" cy="646331"/>
-          </a:xfrm>
-          <a:prstGeom prst="rect">
-            <a:avLst/>
-          </a:prstGeom>
-          <a:noFill/>
-        </p:spPr>
-        <p:txBody>
-          <a:bodyPr wrap="square" rtlCol="0">
-            <a:spAutoFit/>
-          </a:bodyPr>
-          <a:lstStyle/>
-          <a:p>
-            <a:r>
-              <a:rPr lang="en-US" dirty="0" smtClean="0"/>
-              <a:t>Motor Off</a:t>
-            </a:r>
-            <a:endParaRPr lang="en-US" dirty="0"/>
-          </a:p>
-        </p:txBody>
-      </p:sp>
-      <p:sp>
-        <p:nvSpPr>
-          <p:cNvPr id="3" name="Footer Placeholder 2"/>
+      </p:pic>
+      <p:sp>
+        <p:nvSpPr>
+          <p:cNvPr id="2" name="Footer Placeholder 1"/>
           <p:cNvSpPr>
             <a:spLocks noGrp="1"/>
           </p:cNvSpPr>
@@ -7812,15 +7814,15 @@
           <a:p>
             <a:r>
               <a:rPr lang="en-US" smtClean="0"/>
-              <a:t>Copyright © EV3Lessons.com 2015 (Last edit: 2/26/2015)</a:t>
-            </a:r>
-            <a:endParaRPr lang="en-US"/>
-          </a:p>
-        </p:txBody>
-      </p:sp>
-      <p:sp>
-        <p:nvSpPr>
-          <p:cNvPr id="4" name="Slide Number Placeholder 3"/>
+              <a:t>Copyright © EV3Lessons.com 2015 (Last edit: 1/17/2016)</a:t>
+            </a:r>
+            <a:endParaRPr lang="en-US"/>
+          </a:p>
+        </p:txBody>
+      </p:sp>
+      <p:sp>
+        <p:nvSpPr>
+          <p:cNvPr id="6" name="Slide Number Placeholder 5"/>
           <p:cNvSpPr>
             <a:spLocks noGrp="1"/>
           </p:cNvSpPr>
@@ -7844,7 +7846,7 @@
     </p:spTree>
     <p:extLst>
       <p:ext uri="{BB962C8B-B14F-4D97-AF65-F5344CB8AC3E}">
-        <p14:creationId xmlns:p14="http://schemas.microsoft.com/office/powerpoint/2010/main" val="3559942981"/>
+        <p14:creationId xmlns:p14="http://schemas.microsoft.com/office/powerpoint/2010/main" val="1636715275"/>
       </p:ext>
     </p:extLst>
   </p:cSld>
@@ -7894,8 +7896,12 @@
           <a:lstStyle/>
           <a:p>
             <a:r>
-              <a:rPr lang="en-US" smtClean="0"/>
-              <a:t>Discussion Guide</a:t>
+              <a:rPr lang="en-US" dirty="0" smtClean="0"/>
+              <a:t>DISPLAY BLOCK CHALLENGE </a:t>
+            </a:r>
+            <a:r>
+              <a:rPr lang="en-US" dirty="0" smtClean="0"/>
+              <a:t>3</a:t>
             </a:r>
             <a:endParaRPr lang="en-US" dirty="0"/>
           </a:p>
@@ -7911,73 +7917,189 @@
             <p:ph idx="1"/>
           </p:nvPr>
         </p:nvSpPr>
+        <p:spPr>
+          <a:xfrm>
+            <a:off x="457199" y="1424610"/>
+            <a:ext cx="3776430" cy="4892502"/>
+          </a:xfrm>
+          <a:ln>
+            <a:noFill/>
+          </a:ln>
+        </p:spPr>
+        <p:txBody>
+          <a:bodyPr>
+            <a:normAutofit/>
+          </a:bodyPr>
+          <a:lstStyle/>
+          <a:p>
+            <a:r>
+              <a:rPr lang="en-US" b="0" dirty="0" smtClean="0">
+                <a:solidFill>
+                  <a:srgbClr val="3366FF"/>
+                </a:solidFill>
+              </a:rPr>
+              <a:t>Can you display eyes on the screen while moving?  Alternate eyeballs that look left and right.</a:t>
+            </a:r>
+          </a:p>
+          <a:p>
+            <a:pPr marL="800100" lvl="1" indent="-342900">
+              <a:buFont typeface="Arial"/>
+              <a:buChar char="•"/>
+            </a:pPr>
+            <a:r>
+              <a:rPr lang="en-US" b="0" dirty="0" smtClean="0"/>
+              <a:t>Use </a:t>
+            </a:r>
+            <a:r>
+              <a:rPr lang="en-US" b="0" dirty="0"/>
+              <a:t>the Display Block, Motor On and Wait </a:t>
+            </a:r>
+            <a:r>
+              <a:rPr lang="en-US" b="0" dirty="0" smtClean="0"/>
+              <a:t>Block</a:t>
+            </a:r>
+          </a:p>
+          <a:p>
+            <a:pPr marL="800100" lvl="1" indent="-342900">
+              <a:buFont typeface="Arial"/>
+              <a:buChar char="•"/>
+            </a:pPr>
+            <a:endParaRPr lang="en-US" dirty="0"/>
+          </a:p>
+          <a:p>
+            <a:pPr marL="342900" indent="-342900">
+              <a:buFont typeface="Arial"/>
+              <a:buChar char="•"/>
+            </a:pPr>
+            <a:r>
+              <a:rPr lang="en-US" b="0" dirty="0" smtClean="0"/>
+              <a:t>Feel free to have fun with this challenge and make it yours!</a:t>
+            </a:r>
+            <a:endParaRPr lang="en-US" b="0" dirty="0"/>
+          </a:p>
+          <a:p>
+            <a:endParaRPr lang="en-US" b="0" dirty="0"/>
+          </a:p>
+        </p:txBody>
+      </p:sp>
+      <p:pic>
+        <p:nvPicPr>
+          <p:cNvPr id="7" name="Picture 6" descr="Screen Shot 2014-08-08 at 5.44.32 PM.png"/>
+          <p:cNvPicPr>
+            <a:picLocks noChangeAspect="1"/>
+          </p:cNvPicPr>
+          <p:nvPr/>
+        </p:nvPicPr>
+        <p:blipFill rotWithShape="1">
+          <a:blip r:embed="rId3">
+            <a:extLst>
+              <a:ext uri="{28A0092B-C50C-407E-A947-70E740481C1C}">
+                <a14:useLocalDpi xmlns:a14="http://schemas.microsoft.com/office/drawing/2010/main" val="0"/>
+              </a:ext>
+            </a:extLst>
+          </a:blip>
+          <a:srcRect l="19686" r="41425"/>
+          <a:stretch/>
+        </p:blipFill>
+        <p:spPr>
+          <a:xfrm>
+            <a:off x="4818048" y="1361358"/>
+            <a:ext cx="3556001" cy="2509503"/>
+          </a:xfrm>
+          <a:prstGeom prst="rect">
+            <a:avLst/>
+          </a:prstGeom>
+        </p:spPr>
+      </p:pic>
+      <p:sp>
+        <p:nvSpPr>
+          <p:cNvPr id="4" name="Footer Placeholder 3"/>
+          <p:cNvSpPr>
+            <a:spLocks noGrp="1"/>
+          </p:cNvSpPr>
+          <p:nvPr>
+            <p:ph type="ftr" sz="quarter" idx="11"/>
+          </p:nvPr>
+        </p:nvSpPr>
         <p:spPr/>
         <p:txBody>
           <a:bodyPr/>
           <a:lstStyle/>
           <a:p>
             <a:r>
-              <a:rPr lang="en-US" altLang="en-US" dirty="0" smtClean="0"/>
-              <a:t>Why might you want to know how to use the display block?</a:t>
-            </a:r>
-          </a:p>
-          <a:p>
-            <a:pPr lvl="1"/>
-            <a:r>
-              <a:rPr lang="en-US" altLang="en-US" dirty="0" smtClean="0"/>
-              <a:t>You might want to know what the sensor value your robot is seeing</a:t>
-            </a:r>
-          </a:p>
-          <a:p>
-            <a:pPr lvl="1"/>
-            <a:r>
-              <a:rPr lang="en-US" altLang="en-US" dirty="0"/>
-              <a:t>Y</a:t>
-            </a:r>
-            <a:r>
-              <a:rPr lang="en-US" altLang="en-US" dirty="0" smtClean="0"/>
-              <a:t>ou might have to program a robot to stop when the robot reaches a red line but it </a:t>
-            </a:r>
-            <a:r>
-              <a:rPr lang="en-US" altLang="en-US" smtClean="0"/>
-              <a:t>stops before</a:t>
-            </a:r>
-            <a:endParaRPr lang="en-US" altLang="en-US" dirty="0" smtClean="0"/>
-          </a:p>
-          <a:p>
-            <a:pPr lvl="2"/>
-            <a:r>
-              <a:rPr lang="en-US" altLang="en-US" dirty="0" smtClean="0"/>
-              <a:t>Does the robot see the same thing you see?</a:t>
-            </a:r>
-          </a:p>
-          <a:p>
-            <a:pPr lvl="2"/>
-            <a:r>
-              <a:rPr lang="en-US" altLang="en-US" dirty="0" smtClean="0"/>
-              <a:t>You can display the value on the screen and check</a:t>
-            </a:r>
-          </a:p>
-          <a:p>
-            <a:endParaRPr lang="en-US" altLang="en-US" dirty="0" smtClean="0"/>
-          </a:p>
-          <a:p>
-            <a:r>
-              <a:rPr lang="en-US" altLang="en-US" dirty="0" smtClean="0"/>
-              <a:t>It’s a great debugging tool.  You can learn more about debugging code in one of our Intermediate lessons.</a:t>
-            </a:r>
-            <a:endParaRPr lang="en-US" altLang="en-US" dirty="0"/>
-          </a:p>
-        </p:txBody>
-      </p:sp>
-      <p:sp>
-        <p:nvSpPr>
-          <p:cNvPr id="4" name="Footer Placeholder 3"/>
-          <p:cNvSpPr>
-            <a:spLocks noGrp="1"/>
-          </p:cNvSpPr>
-          <p:nvPr>
-            <p:ph type="ftr" sz="quarter" idx="11"/>
+              <a:rPr lang="en-US" smtClean="0"/>
+              <a:t>Copyright © EV3Lessons.com 2015 (Last edit: 1/17/2016)</a:t>
+            </a:r>
+            <a:endParaRPr lang="en-US"/>
+          </a:p>
+        </p:txBody>
+      </p:sp>
+      <p:pic>
+        <p:nvPicPr>
+          <p:cNvPr id="5" name="Picture 4"/>
+          <p:cNvPicPr>
+            <a:picLocks noChangeAspect="1"/>
+          </p:cNvPicPr>
+          <p:nvPr/>
+        </p:nvPicPr>
+        <p:blipFill rotWithShape="1">
+          <a:blip r:embed="rId4">
+            <a:extLst>
+              <a:ext uri="{28A0092B-C50C-407E-A947-70E740481C1C}">
+                <a14:useLocalDpi xmlns:a14="http://schemas.microsoft.com/office/drawing/2010/main" val="0"/>
+              </a:ext>
+            </a:extLst>
+          </a:blip>
+          <a:srcRect l="29500" r="19750"/>
+          <a:stretch/>
+        </p:blipFill>
+        <p:spPr>
+          <a:xfrm>
+            <a:off x="6827189" y="3684270"/>
+            <a:ext cx="1546860" cy="2019300"/>
+          </a:xfrm>
+          <a:prstGeom prst="rect">
+            <a:avLst/>
+          </a:prstGeom>
+        </p:spPr>
+      </p:pic>
+      <p:pic>
+        <p:nvPicPr>
+          <p:cNvPr id="10" name="Picture 9"/>
+          <p:cNvPicPr>
+            <a:picLocks noChangeAspect="1"/>
+          </p:cNvPicPr>
+          <p:nvPr/>
+        </p:nvPicPr>
+        <p:blipFill rotWithShape="1">
+          <a:blip r:embed="rId5">
+            <a:extLst>
+              <a:ext uri="{28A0092B-C50C-407E-A947-70E740481C1C}">
+                <a14:useLocalDpi xmlns:a14="http://schemas.microsoft.com/office/drawing/2010/main" val="0"/>
+              </a:ext>
+            </a:extLst>
+          </a:blip>
+          <a:srcRect l="14750" r="24250"/>
+          <a:stretch/>
+        </p:blipFill>
+        <p:spPr>
+          <a:xfrm>
+            <a:off x="4775351" y="3684270"/>
+            <a:ext cx="1859280" cy="2019300"/>
+          </a:xfrm>
+          <a:prstGeom prst="rect">
+            <a:avLst/>
+          </a:prstGeom>
+        </p:spPr>
+      </p:pic>
+      <p:sp>
+        <p:nvSpPr>
+          <p:cNvPr id="6" name="Slide Number Placeholder 5"/>
+          <p:cNvSpPr>
+            <a:spLocks noGrp="1"/>
+          </p:cNvSpPr>
+          <p:nvPr>
+            <p:ph type="sldNum" sz="quarter" idx="12"/>
           </p:nvPr>
         </p:nvSpPr>
         <p:spPr/>
@@ -7985,32 +8107,8 @@
           <a:bodyPr/>
           <a:lstStyle/>
           <a:p>
-            <a:r>
-              <a:rPr lang="en-US" smtClean="0"/>
-              <a:t>Copyright © EV3Lessons.com 2015 (Last edit: 2/26/2015)</a:t>
-            </a:r>
-            <a:endParaRPr lang="en-US"/>
-          </a:p>
-        </p:txBody>
-      </p:sp>
-      <p:sp>
-        <p:nvSpPr>
-          <p:cNvPr id="6" name="Slide Number Placeholder 5"/>
-          <p:cNvSpPr>
-            <a:spLocks noGrp="1"/>
-          </p:cNvSpPr>
-          <p:nvPr>
-            <p:ph type="sldNum" sz="quarter" idx="12"/>
-          </p:nvPr>
-        </p:nvSpPr>
-        <p:spPr/>
-        <p:txBody>
-          <a:bodyPr/>
-          <a:lstStyle/>
-          <a:p>
             <a:fld id="{4DBC7FC8-25FB-FC45-8177-2B991DA6778C}" type="slidenum">
               <a:rPr lang="en-US" smtClean="0"/>
-              <a:pPr/>
               <a:t>11</a:t>
             </a:fld>
             <a:endParaRPr lang="en-US"/>
@@ -8020,7 +8118,7 @@
     </p:spTree>
     <p:extLst>
       <p:ext uri="{BB962C8B-B14F-4D97-AF65-F5344CB8AC3E}">
-        <p14:creationId xmlns:p14="http://schemas.microsoft.com/office/powerpoint/2010/main" val="3085391297"/>
+        <p14:creationId xmlns:p14="http://schemas.microsoft.com/office/powerpoint/2010/main" val="3760637178"/>
       </p:ext>
     </p:extLst>
   </p:cSld>
@@ -8064,6 +8162,445 @@
             <p:ph type="title"/>
           </p:nvPr>
         </p:nvSpPr>
+        <p:spPr/>
+        <p:txBody>
+          <a:bodyPr/>
+          <a:lstStyle/>
+          <a:p>
+            <a:r>
+              <a:rPr lang="en-US" dirty="0" smtClean="0"/>
+              <a:t>CHALLENGE </a:t>
+            </a:r>
+            <a:r>
+              <a:rPr lang="en-US" dirty="0" smtClean="0"/>
+              <a:t>3 </a:t>
+            </a:r>
+            <a:r>
+              <a:rPr lang="en-US" dirty="0" smtClean="0"/>
+              <a:t>Solution</a:t>
+            </a:r>
+            <a:endParaRPr lang="en-US" dirty="0"/>
+          </a:p>
+        </p:txBody>
+      </p:sp>
+      <p:pic>
+        <p:nvPicPr>
+          <p:cNvPr id="5" name="Picture 4" descr="Screen Shot 2014-08-08 at 5.44.32 PM.png"/>
+          <p:cNvPicPr>
+            <a:picLocks noChangeAspect="1"/>
+          </p:cNvPicPr>
+          <p:nvPr/>
+        </p:nvPicPr>
+        <p:blipFill rotWithShape="1">
+          <a:blip r:embed="rId2">
+            <a:extLst>
+              <a:ext uri="{28A0092B-C50C-407E-A947-70E740481C1C}">
+                <a14:useLocalDpi xmlns:a14="http://schemas.microsoft.com/office/drawing/2010/main" val="0"/>
+              </a:ext>
+            </a:extLst>
+          </a:blip>
+          <a:srcRect l="7487" r="2924"/>
+          <a:stretch/>
+        </p:blipFill>
+        <p:spPr>
+          <a:xfrm>
+            <a:off x="552180" y="1693851"/>
+            <a:ext cx="8192052" cy="2509503"/>
+          </a:xfrm>
+          <a:prstGeom prst="rect">
+            <a:avLst/>
+          </a:prstGeom>
+        </p:spPr>
+      </p:pic>
+      <p:sp>
+        <p:nvSpPr>
+          <p:cNvPr id="7" name="TextBox 6"/>
+          <p:cNvSpPr txBox="1"/>
+          <p:nvPr/>
+        </p:nvSpPr>
+        <p:spPr>
+          <a:xfrm>
+            <a:off x="1844261" y="3732696"/>
+            <a:ext cx="1292087" cy="646331"/>
+          </a:xfrm>
+          <a:prstGeom prst="rect">
+            <a:avLst/>
+          </a:prstGeom>
+          <a:noFill/>
+        </p:spPr>
+        <p:txBody>
+          <a:bodyPr wrap="square" rtlCol="0">
+            <a:spAutoFit/>
+          </a:bodyPr>
+          <a:lstStyle/>
+          <a:p>
+            <a:r>
+              <a:rPr lang="en-US" dirty="0" smtClean="0"/>
+              <a:t>Display Block</a:t>
+            </a:r>
+            <a:endParaRPr lang="en-US" dirty="0"/>
+          </a:p>
+        </p:txBody>
+      </p:sp>
+      <p:sp>
+        <p:nvSpPr>
+          <p:cNvPr id="8" name="TextBox 7"/>
+          <p:cNvSpPr txBox="1"/>
+          <p:nvPr/>
+        </p:nvSpPr>
+        <p:spPr>
+          <a:xfrm>
+            <a:off x="552174" y="3853043"/>
+            <a:ext cx="1292087" cy="369332"/>
+          </a:xfrm>
+          <a:prstGeom prst="rect">
+            <a:avLst/>
+          </a:prstGeom>
+          <a:noFill/>
+        </p:spPr>
+        <p:txBody>
+          <a:bodyPr wrap="square" rtlCol="0">
+            <a:spAutoFit/>
+          </a:bodyPr>
+          <a:lstStyle/>
+          <a:p>
+            <a:r>
+              <a:rPr lang="en-US" dirty="0" smtClean="0"/>
+              <a:t>Motor On</a:t>
+            </a:r>
+            <a:endParaRPr lang="en-US" dirty="0"/>
+          </a:p>
+        </p:txBody>
+      </p:sp>
+      <p:sp>
+        <p:nvSpPr>
+          <p:cNvPr id="9" name="TextBox 8"/>
+          <p:cNvSpPr txBox="1"/>
+          <p:nvPr/>
+        </p:nvSpPr>
+        <p:spPr>
+          <a:xfrm>
+            <a:off x="2968488" y="3753656"/>
+            <a:ext cx="996122" cy="646331"/>
+          </a:xfrm>
+          <a:prstGeom prst="rect">
+            <a:avLst/>
+          </a:prstGeom>
+          <a:noFill/>
+        </p:spPr>
+        <p:txBody>
+          <a:bodyPr wrap="square" rtlCol="0">
+            <a:spAutoFit/>
+          </a:bodyPr>
+          <a:lstStyle/>
+          <a:p>
+            <a:r>
+              <a:rPr lang="en-US" dirty="0" smtClean="0"/>
+              <a:t>Wait Block</a:t>
+            </a:r>
+            <a:endParaRPr lang="en-US" dirty="0"/>
+          </a:p>
+        </p:txBody>
+      </p:sp>
+      <p:sp>
+        <p:nvSpPr>
+          <p:cNvPr id="10" name="TextBox 9"/>
+          <p:cNvSpPr txBox="1"/>
+          <p:nvPr/>
+        </p:nvSpPr>
+        <p:spPr>
+          <a:xfrm>
+            <a:off x="7929217" y="3753656"/>
+            <a:ext cx="947531" cy="646331"/>
+          </a:xfrm>
+          <a:prstGeom prst="rect">
+            <a:avLst/>
+          </a:prstGeom>
+          <a:noFill/>
+        </p:spPr>
+        <p:txBody>
+          <a:bodyPr wrap="square" rtlCol="0">
+            <a:spAutoFit/>
+          </a:bodyPr>
+          <a:lstStyle/>
+          <a:p>
+            <a:r>
+              <a:rPr lang="en-US" dirty="0" smtClean="0"/>
+              <a:t>Motor Off</a:t>
+            </a:r>
+            <a:endParaRPr lang="en-US" dirty="0"/>
+          </a:p>
+        </p:txBody>
+      </p:sp>
+      <p:sp>
+        <p:nvSpPr>
+          <p:cNvPr id="3" name="Footer Placeholder 2"/>
+          <p:cNvSpPr>
+            <a:spLocks noGrp="1"/>
+          </p:cNvSpPr>
+          <p:nvPr>
+            <p:ph type="ftr" sz="quarter" idx="11"/>
+          </p:nvPr>
+        </p:nvSpPr>
+        <p:spPr/>
+        <p:txBody>
+          <a:bodyPr/>
+          <a:lstStyle/>
+          <a:p>
+            <a:r>
+              <a:rPr lang="en-US" smtClean="0"/>
+              <a:t>Copyright © EV3Lessons.com 2015 (Last edit: 1/17/2016)</a:t>
+            </a:r>
+            <a:endParaRPr lang="en-US"/>
+          </a:p>
+        </p:txBody>
+      </p:sp>
+      <p:sp>
+        <p:nvSpPr>
+          <p:cNvPr id="4" name="Slide Number Placeholder 3"/>
+          <p:cNvSpPr>
+            <a:spLocks noGrp="1"/>
+          </p:cNvSpPr>
+          <p:nvPr>
+            <p:ph type="sldNum" sz="quarter" idx="12"/>
+          </p:nvPr>
+        </p:nvSpPr>
+        <p:spPr/>
+        <p:txBody>
+          <a:bodyPr/>
+          <a:lstStyle/>
+          <a:p>
+            <a:fld id="{4DBC7FC8-25FB-FC45-8177-2B991DA6778C}" type="slidenum">
+              <a:rPr lang="en-US" smtClean="0"/>
+              <a:t>12</a:t>
+            </a:fld>
+            <a:endParaRPr lang="en-US"/>
+          </a:p>
+        </p:txBody>
+      </p:sp>
+    </p:spTree>
+    <p:extLst>
+      <p:ext uri="{BB962C8B-B14F-4D97-AF65-F5344CB8AC3E}">
+        <p14:creationId xmlns:p14="http://schemas.microsoft.com/office/powerpoint/2010/main" val="3559942981"/>
+      </p:ext>
+    </p:extLst>
+  </p:cSld>
+  <p:clrMapOvr>
+    <a:masterClrMapping/>
+  </p:clrMapOvr>
+  <p:timing>
+    <p:tnLst>
+      <p:par>
+        <p:cTn id="1" dur="indefinite" restart="never" nodeType="tmRoot"/>
+      </p:par>
+    </p:tnLst>
+  </p:timing>
+</p:sld>
+</file>
+
+<file path=ppt/slides/slide13.xml><?xml version="1.0" encoding="utf-8"?>
+<p:sld xmlns:a="http://schemas.openxmlformats.org/drawingml/2006/main" xmlns:r="http://schemas.openxmlformats.org/officeDocument/2006/relationships" xmlns:p="http://schemas.openxmlformats.org/presentationml/2006/main">
+  <p:cSld>
+    <p:spTree>
+      <p:nvGrpSpPr>
+        <p:cNvPr id="1" name=""/>
+        <p:cNvGrpSpPr/>
+        <p:nvPr/>
+      </p:nvGrpSpPr>
+      <p:grpSpPr>
+        <a:xfrm>
+          <a:off x="0" y="0"/>
+          <a:ext cx="0" cy="0"/>
+          <a:chOff x="0" y="0"/>
+          <a:chExt cx="0" cy="0"/>
+        </a:xfrm>
+      </p:grpSpPr>
+      <p:sp>
+        <p:nvSpPr>
+          <p:cNvPr id="2" name="Title 1"/>
+          <p:cNvSpPr>
+            <a:spLocks noGrp="1"/>
+          </p:cNvSpPr>
+          <p:nvPr>
+            <p:ph type="title"/>
+          </p:nvPr>
+        </p:nvSpPr>
+        <p:spPr/>
+        <p:txBody>
+          <a:bodyPr/>
+          <a:lstStyle/>
+          <a:p>
+            <a:r>
+              <a:rPr lang="en-US" smtClean="0"/>
+              <a:t>Discussion Guide</a:t>
+            </a:r>
+            <a:endParaRPr lang="en-US" dirty="0"/>
+          </a:p>
+        </p:txBody>
+      </p:sp>
+      <p:sp>
+        <p:nvSpPr>
+          <p:cNvPr id="3" name="Content Placeholder 2"/>
+          <p:cNvSpPr>
+            <a:spLocks noGrp="1"/>
+          </p:cNvSpPr>
+          <p:nvPr>
+            <p:ph idx="1"/>
+          </p:nvPr>
+        </p:nvSpPr>
+        <p:spPr/>
+        <p:txBody>
+          <a:bodyPr/>
+          <a:lstStyle/>
+          <a:p>
+            <a:r>
+              <a:rPr lang="en-US" altLang="en-US" dirty="0" smtClean="0"/>
+              <a:t>Why might you want to know how to use the display block?</a:t>
+            </a:r>
+          </a:p>
+          <a:p>
+            <a:pPr lvl="1"/>
+            <a:r>
+              <a:rPr lang="en-US" altLang="en-US" dirty="0" smtClean="0"/>
+              <a:t>You might want to know what the sensor value your robot is seeing</a:t>
+            </a:r>
+          </a:p>
+          <a:p>
+            <a:pPr lvl="1"/>
+            <a:r>
+              <a:rPr lang="en-US" altLang="en-US" dirty="0"/>
+              <a:t>Y</a:t>
+            </a:r>
+            <a:r>
+              <a:rPr lang="en-US" altLang="en-US" dirty="0" smtClean="0"/>
+              <a:t>ou might have to program a robot to stop when the robot reaches a red line but it </a:t>
+            </a:r>
+            <a:r>
+              <a:rPr lang="en-US" altLang="en-US" smtClean="0"/>
+              <a:t>stops before</a:t>
+            </a:r>
+            <a:endParaRPr lang="en-US" altLang="en-US" dirty="0" smtClean="0"/>
+          </a:p>
+          <a:p>
+            <a:pPr lvl="2"/>
+            <a:r>
+              <a:rPr lang="en-US" altLang="en-US" dirty="0" smtClean="0"/>
+              <a:t>Does the robot see the same thing you see?</a:t>
+            </a:r>
+          </a:p>
+          <a:p>
+            <a:pPr lvl="2"/>
+            <a:r>
+              <a:rPr lang="en-US" altLang="en-US" dirty="0" smtClean="0"/>
+              <a:t>You can display the value on the screen and check</a:t>
+            </a:r>
+          </a:p>
+          <a:p>
+            <a:endParaRPr lang="en-US" altLang="en-US" dirty="0" smtClean="0"/>
+          </a:p>
+          <a:p>
+            <a:r>
+              <a:rPr lang="en-US" altLang="en-US" dirty="0" smtClean="0"/>
+              <a:t>It’s a great debugging tool.  You can learn more about debugging code in one of our Intermediate lessons.</a:t>
+            </a:r>
+            <a:endParaRPr lang="en-US" altLang="en-US" dirty="0"/>
+          </a:p>
+        </p:txBody>
+      </p:sp>
+      <p:sp>
+        <p:nvSpPr>
+          <p:cNvPr id="4" name="Footer Placeholder 3"/>
+          <p:cNvSpPr>
+            <a:spLocks noGrp="1"/>
+          </p:cNvSpPr>
+          <p:nvPr>
+            <p:ph type="ftr" sz="quarter" idx="11"/>
+          </p:nvPr>
+        </p:nvSpPr>
+        <p:spPr/>
+        <p:txBody>
+          <a:bodyPr/>
+          <a:lstStyle/>
+          <a:p>
+            <a:r>
+              <a:rPr lang="en-US" smtClean="0"/>
+              <a:t>Copyright © EV3Lessons.com 2015 (Last edit: 1/17/2016)</a:t>
+            </a:r>
+            <a:endParaRPr lang="en-US"/>
+          </a:p>
+        </p:txBody>
+      </p:sp>
+      <p:sp>
+        <p:nvSpPr>
+          <p:cNvPr id="6" name="Slide Number Placeholder 5"/>
+          <p:cNvSpPr>
+            <a:spLocks noGrp="1"/>
+          </p:cNvSpPr>
+          <p:nvPr>
+            <p:ph type="sldNum" sz="quarter" idx="12"/>
+          </p:nvPr>
+        </p:nvSpPr>
+        <p:spPr/>
+        <p:txBody>
+          <a:bodyPr/>
+          <a:lstStyle/>
+          <a:p>
+            <a:fld id="{4DBC7FC8-25FB-FC45-8177-2B991DA6778C}" type="slidenum">
+              <a:rPr lang="en-US" smtClean="0"/>
+              <a:pPr/>
+              <a:t>13</a:t>
+            </a:fld>
+            <a:endParaRPr lang="en-US"/>
+          </a:p>
+        </p:txBody>
+      </p:sp>
+    </p:spTree>
+    <p:extLst>
+      <p:ext uri="{BB962C8B-B14F-4D97-AF65-F5344CB8AC3E}">
+        <p14:creationId xmlns:p14="http://schemas.microsoft.com/office/powerpoint/2010/main" val="3085391297"/>
+      </p:ext>
+    </p:extLst>
+  </p:cSld>
+  <p:clrMapOvr>
+    <a:masterClrMapping/>
+  </p:clrMapOvr>
+  <p:timing>
+    <p:tnLst>
+      <p:par>
+        <p:cTn id="1" dur="indefinite" restart="never" nodeType="tmRoot"/>
+      </p:par>
+    </p:tnLst>
+  </p:timing>
+</p:sld>
+</file>
+
+<file path=ppt/slides/slide14.xml><?xml version="1.0" encoding="utf-8"?>
+<p:sld xmlns:a="http://schemas.openxmlformats.org/drawingml/2006/main" xmlns:r="http://schemas.openxmlformats.org/officeDocument/2006/relationships" xmlns:p="http://schemas.openxmlformats.org/presentationml/2006/main">
+  <p:cSld>
+    <p:spTree>
+      <p:nvGrpSpPr>
+        <p:cNvPr id="1" name=""/>
+        <p:cNvGrpSpPr/>
+        <p:nvPr/>
+      </p:nvGrpSpPr>
+      <p:grpSpPr>
+        <a:xfrm>
+          <a:off x="0" y="0"/>
+          <a:ext cx="0" cy="0"/>
+          <a:chOff x="0" y="0"/>
+          <a:chExt cx="0" cy="0"/>
+        </a:xfrm>
+      </p:grpSpPr>
+      <p:sp>
+        <p:nvSpPr>
+          <p:cNvPr id="2" name="Title 1"/>
+          <p:cNvSpPr>
+            <a:spLocks noGrp="1"/>
+          </p:cNvSpPr>
+          <p:nvPr>
+            <p:ph type="title"/>
+          </p:nvPr>
+        </p:nvSpPr>
         <p:spPr>
           <a:xfrm>
             <a:off x="356665" y="439032"/>
@@ -8166,7 +8703,7 @@
           <a:p>
             <a:r>
               <a:rPr lang="en-US" smtClean="0"/>
-              <a:t>Copyright © EV3Lessons.com 2015 (Last edit: 2/26/2015)</a:t>
+              <a:t>Copyright © EV3Lessons.com 2015 (Last edit: 1/17/2016)</a:t>
             </a:r>
             <a:endParaRPr lang="en-US" dirty="0"/>
           </a:p>
@@ -8197,7 +8734,7 @@
           <a:effectLst/>
           <a:extLst>
             <a:ext uri="{91240B29-F687-4f45-9708-019B960494DF}">
-              <a14:hiddenLine xmlns:a14="http://schemas.microsoft.com/office/drawing/2010/main" xmlns="" w="9525">
+              <a14:hiddenLine xmlns="" xmlns:a14="http://schemas.microsoft.com/office/drawing/2010/main" w="9525">
                 <a:solidFill>
                   <a:schemeClr val="tx1"/>
                 </a:solidFill>
@@ -8207,7 +8744,7 @@
               </a14:hiddenLine>
             </a:ext>
             <a:ext uri="{AF507438-7753-43e0-B8FC-AC1667EBCBE1}">
-              <a14:hiddenEffects xmlns:a14="http://schemas.microsoft.com/office/drawing/2010/main" xmlns="">
+              <a14:hiddenEffects xmlns="" xmlns:a14="http://schemas.microsoft.com/office/drawing/2010/main">
                 <a:effectLst>
                   <a:outerShdw dist="35921" dir="2700000" algn="ctr" rotWithShape="0">
                     <a:schemeClr val="bg2"/>
@@ -8560,7 +9097,7 @@
           <a:noFill/>
           <a:extLst>
             <a:ext uri="{909E8E84-426E-40dd-AFC4-6F175D3DCCD1}">
-              <a14:hiddenFill xmlns:a14="http://schemas.microsoft.com/office/drawing/2010/main" xmlns="">
+              <a14:hiddenFill xmlns="" xmlns:a14="http://schemas.microsoft.com/office/drawing/2010/main">
                 <a:solidFill>
                   <a:srgbClr val="FFFFFF"/>
                 </a:solidFill>
@@ -8586,7 +9123,7 @@
           <a:p>
             <a:fld id="{4DBC7FC8-25FB-FC45-8177-2B991DA6778C}" type="slidenum">
               <a:rPr lang="en-US" smtClean="0"/>
-              <a:t>12</a:t>
+              <a:t>14</a:t>
             </a:fld>
             <a:endParaRPr lang="en-US"/>
           </a:p>
@@ -8705,7 +9242,7 @@
           <a:p>
             <a:r>
               <a:rPr lang="en-US" smtClean="0"/>
-              <a:t>Copyright © EV3Lessons.com 2015 (Last edit: 2/26/2015)</a:t>
+              <a:t>Copyright © EV3Lessons.com 2015 (Last edit: 1/17/2016)</a:t>
             </a:r>
             <a:endParaRPr lang="en-US"/>
           </a:p>
@@ -8913,7 +9450,7 @@
           <a:p>
             <a:r>
               <a:rPr lang="en-US" smtClean="0"/>
-              <a:t>Copyright © EV3Lessons.com 2015 (Last edit: 2/26/2015)</a:t>
+              <a:t>Copyright © EV3Lessons.com 2015 (Last edit: 1/17/2016)</a:t>
             </a:r>
             <a:endParaRPr lang="en-US"/>
           </a:p>
@@ -9155,7 +9692,7 @@
           <a:p>
             <a:r>
               <a:rPr lang="en-US" smtClean="0"/>
-              <a:t>Copyright © EV3Lessons.com 2015 (Last edit: 2/26/2015)</a:t>
+              <a:t>Copyright © EV3Lessons.com 2015 (Last edit: 1/17/2016)</a:t>
             </a:r>
             <a:endParaRPr lang="en-US"/>
           </a:p>
@@ -9308,7 +9845,7 @@
             </a:ln>
             <a:extLst>
               <a:ext uri="{909E8E84-426E-40dd-AFC4-6F175D3DCCD1}">
-                <a14:hiddenFill xmlns:a14="http://schemas.microsoft.com/office/drawing/2010/main" xmlns="">
+                <a14:hiddenFill xmlns="" xmlns:a14="http://schemas.microsoft.com/office/drawing/2010/main">
                   <a:solidFill>
                     <a:srgbClr val="FFFFFF"/>
                   </a:solidFill>
@@ -9531,7 +10068,7 @@
             </a:ln>
             <a:extLst>
               <a:ext uri="{909E8E84-426E-40dd-AFC4-6F175D3DCCD1}">
-                <a14:hiddenFill xmlns:a14="http://schemas.microsoft.com/office/drawing/2010/main" xmlns="">
+                <a14:hiddenFill xmlns="" xmlns:a14="http://schemas.microsoft.com/office/drawing/2010/main">
                   <a:solidFill>
                     <a:srgbClr val="FFFFFF"/>
                   </a:solidFill>
@@ -9811,7 +10348,7 @@
             </a:ln>
             <a:extLst>
               <a:ext uri="{909E8E84-426E-40dd-AFC4-6F175D3DCCD1}">
-                <a14:hiddenFill xmlns:a14="http://schemas.microsoft.com/office/drawing/2010/main" xmlns="">
+                <a14:hiddenFill xmlns="" xmlns:a14="http://schemas.microsoft.com/office/drawing/2010/main">
                   <a:solidFill>
                     <a:srgbClr val="FFFFFF"/>
                   </a:solidFill>
@@ -10035,7 +10572,7 @@
             </a:ln>
             <a:extLst>
               <a:ext uri="{909E8E84-426E-40dd-AFC4-6F175D3DCCD1}">
-                <a14:hiddenFill xmlns:a14="http://schemas.microsoft.com/office/drawing/2010/main" xmlns="">
+                <a14:hiddenFill xmlns="" xmlns:a14="http://schemas.microsoft.com/office/drawing/2010/main">
                   <a:solidFill>
                     <a:srgbClr val="FFFFFF"/>
                   </a:solidFill>
@@ -10259,7 +10796,7 @@
             </a:ln>
             <a:extLst>
               <a:ext uri="{909E8E84-426E-40dd-AFC4-6F175D3DCCD1}">
-                <a14:hiddenFill xmlns:a14="http://schemas.microsoft.com/office/drawing/2010/main" xmlns="">
+                <a14:hiddenFill xmlns="" xmlns:a14="http://schemas.microsoft.com/office/drawing/2010/main">
                   <a:solidFill>
                     <a:srgbClr val="FFFFFF"/>
                   </a:solidFill>
@@ -10483,7 +11020,7 @@
             </a:ln>
             <a:extLst>
               <a:ext uri="{909E8E84-426E-40dd-AFC4-6F175D3DCCD1}">
-                <a14:hiddenFill xmlns:a14="http://schemas.microsoft.com/office/drawing/2010/main" xmlns="">
+                <a14:hiddenFill xmlns="" xmlns:a14="http://schemas.microsoft.com/office/drawing/2010/main">
                   <a:solidFill>
                     <a:srgbClr val="FFFFFF"/>
                   </a:solidFill>
@@ -10707,7 +11244,7 @@
             </a:ln>
             <a:extLst>
               <a:ext uri="{909E8E84-426E-40dd-AFC4-6F175D3DCCD1}">
-                <a14:hiddenFill xmlns:a14="http://schemas.microsoft.com/office/drawing/2010/main" xmlns="">
+                <a14:hiddenFill xmlns="" xmlns:a14="http://schemas.microsoft.com/office/drawing/2010/main">
                   <a:solidFill>
                     <a:srgbClr val="FFFFFF"/>
                   </a:solidFill>
@@ -10931,7 +11468,7 @@
             </a:ln>
             <a:extLst>
               <a:ext uri="{909E8E84-426E-40dd-AFC4-6F175D3DCCD1}">
-                <a14:hiddenFill xmlns:a14="http://schemas.microsoft.com/office/drawing/2010/main" xmlns="">
+                <a14:hiddenFill xmlns="" xmlns:a14="http://schemas.microsoft.com/office/drawing/2010/main">
                   <a:solidFill>
                     <a:srgbClr val="FFFFFF"/>
                   </a:solidFill>
@@ -11407,7 +11944,7 @@
           </a:ln>
           <a:extLst>
             <a:ext uri="{909E8E84-426E-40dd-AFC4-6F175D3DCCD1}">
-              <a14:hiddenFill xmlns:a14="http://schemas.microsoft.com/office/drawing/2010/main" xmlns="">
+              <a14:hiddenFill xmlns="" xmlns:a14="http://schemas.microsoft.com/office/drawing/2010/main">
                 <a:solidFill>
                   <a:srgbClr val="FFFFFF"/>
                 </a:solidFill>
@@ -11729,7 +12266,7 @@
           <a:p>
             <a:r>
               <a:rPr lang="en-US" smtClean="0"/>
-              <a:t>Copyright © EV3Lessons.com 2015 (Last edit: 2/26/2015)</a:t>
+              <a:t>Copyright © EV3Lessons.com 2015 (Last edit: 1/17/2016)</a:t>
             </a:r>
             <a:endParaRPr lang="en-US"/>
           </a:p>
@@ -11889,7 +12426,7 @@
           <a:p>
             <a:r>
               <a:rPr lang="en-US" smtClean="0"/>
-              <a:t>Copyright © EV3Lessons.com 2015 (Last edit: 2/26/2015)</a:t>
+              <a:t>Copyright © EV3Lessons.com 2015 (Last edit: 1/17/2016)</a:t>
             </a:r>
             <a:endParaRPr lang="en-US"/>
           </a:p>
@@ -12023,7 +12560,7 @@
           <a:p>
             <a:r>
               <a:rPr lang="en-US" smtClean="0"/>
-              <a:t>Copyright © EV3Lessons.com 2015 (Last edit: 2/26/2015)</a:t>
+              <a:t>Copyright © EV3Lessons.com 2015 (Last edit: 1/17/2016)</a:t>
             </a:r>
             <a:endParaRPr lang="en-US"/>
           </a:p>
@@ -12091,7 +12628,7 @@
       </p:grpSpPr>
       <p:sp>
         <p:nvSpPr>
-          <p:cNvPr id="44034" name="Title 1"/>
+          <p:cNvPr id="2" name="Title 1"/>
           <p:cNvSpPr>
             <a:spLocks noGrp="1"/>
           </p:cNvSpPr>
@@ -12105,165 +12642,48 @@
           <a:lstStyle/>
           <a:p>
             <a:r>
-              <a:rPr lang="en-US" altLang="en-US" dirty="0" smtClean="0"/>
-              <a:t>Displaying an image in PIXEL Mode</a:t>
-            </a:r>
-          </a:p>
-        </p:txBody>
-      </p:sp>
-      <p:pic>
-        <p:nvPicPr>
-          <p:cNvPr id="3" name="Picture 2"/>
-          <p:cNvPicPr>
-            <a:picLocks noChangeAspect="1"/>
-          </p:cNvPicPr>
-          <p:nvPr/>
-        </p:nvPicPr>
-        <p:blipFill>
-          <a:blip r:embed="rId3"/>
-          <a:stretch>
-            <a:fillRect/>
-          </a:stretch>
-        </p:blipFill>
-        <p:spPr>
-          <a:xfrm>
-            <a:off x="3576256" y="2771086"/>
-            <a:ext cx="1302902" cy="1653983"/>
-          </a:xfrm>
-          <a:prstGeom prst="rect">
-            <a:avLst/>
-          </a:prstGeom>
-        </p:spPr>
-      </p:pic>
-      <p:sp>
-        <p:nvSpPr>
-          <p:cNvPr id="4" name="TextBox 3"/>
-          <p:cNvSpPr txBox="1"/>
-          <p:nvPr/>
-        </p:nvSpPr>
-        <p:spPr>
-          <a:xfrm>
-            <a:off x="4879158" y="1759642"/>
-            <a:ext cx="3321425" cy="4247317"/>
-          </a:xfrm>
-          <a:prstGeom prst="rect">
-            <a:avLst/>
-          </a:prstGeom>
-          <a:noFill/>
-        </p:spPr>
-        <p:txBody>
-          <a:bodyPr wrap="square" rtlCol="0">
-            <a:spAutoFit/>
-          </a:bodyPr>
-          <a:lstStyle/>
-          <a:p>
-            <a:r>
-              <a:rPr lang="en-US" b="1" dirty="0" smtClean="0"/>
-              <a:t>Step 1: </a:t>
-            </a:r>
-          </a:p>
-          <a:p>
-            <a:r>
               <a:rPr lang="en-US" dirty="0" smtClean="0"/>
-              <a:t>Pick Display Block</a:t>
-            </a:r>
-          </a:p>
-          <a:p>
-            <a:endParaRPr lang="en-US" dirty="0" smtClean="0"/>
-          </a:p>
-          <a:p>
-            <a:endParaRPr lang="en-US" b="1" dirty="0" smtClean="0"/>
-          </a:p>
-          <a:p>
-            <a:r>
-              <a:rPr lang="en-US" b="1" dirty="0" smtClean="0"/>
-              <a:t>Step 2:</a:t>
-            </a:r>
-          </a:p>
-          <a:p>
-            <a:r>
-              <a:rPr lang="en-US" dirty="0"/>
-              <a:t>C</a:t>
-            </a:r>
+              <a:t>CHALLENGE 2: Two lines of Text</a:t>
+            </a:r>
+            <a:endParaRPr lang="en-US" dirty="0"/>
+          </a:p>
+        </p:txBody>
+      </p:sp>
+      <p:sp>
+        <p:nvSpPr>
+          <p:cNvPr id="3" name="Content Placeholder 2"/>
+          <p:cNvSpPr>
+            <a:spLocks noGrp="1"/>
+          </p:cNvSpPr>
+          <p:nvPr>
+            <p:ph idx="1"/>
+          </p:nvPr>
+        </p:nvSpPr>
+        <p:spPr/>
+        <p:txBody>
+          <a:bodyPr/>
+          <a:lstStyle/>
+          <a:p>
             <a:r>
               <a:rPr lang="en-US" dirty="0" smtClean="0"/>
-              <a:t>lick on the “Select Mode” which has a folder icon and pick “image”</a:t>
+              <a:t>Now what if you want “Hello” to appear on one line and “World” to appear on the next line?</a:t>
             </a:r>
           </a:p>
           <a:p>
             <a:endParaRPr lang="en-US" dirty="0"/>
           </a:p>
           <a:p>
-            <a:endParaRPr lang="en-US" b="1" dirty="0" smtClean="0"/>
-          </a:p>
-          <a:p>
-            <a:r>
-              <a:rPr lang="en-US" b="1" dirty="0" smtClean="0"/>
-              <a:t>Step 3:</a:t>
+            <a:r>
+              <a:rPr lang="en-US" dirty="0" smtClean="0"/>
+              <a:t>Hint: You will use two display blocks and don’t clear the screen on the second display block otherwise the first word will disappear!</a:t>
             </a:r>
             <a:endParaRPr lang="en-US" dirty="0"/>
           </a:p>
-          <a:p>
-            <a:r>
-              <a:rPr lang="en-US" dirty="0" smtClean="0"/>
-              <a:t>Use the empty box on the top right to pick the image you want to display</a:t>
-            </a:r>
-          </a:p>
-          <a:p>
-            <a:endParaRPr lang="en-US" dirty="0"/>
-          </a:p>
-        </p:txBody>
-      </p:sp>
-      <p:pic>
-        <p:nvPicPr>
-          <p:cNvPr id="5" name="Picture 4"/>
-          <p:cNvPicPr>
-            <a:picLocks noChangeAspect="1"/>
-          </p:cNvPicPr>
-          <p:nvPr/>
-        </p:nvPicPr>
-        <p:blipFill rotWithShape="1">
-          <a:blip r:embed="rId4"/>
-          <a:srcRect l="3678" t="15588" b="9412"/>
-          <a:stretch/>
-        </p:blipFill>
-        <p:spPr>
-          <a:xfrm>
-            <a:off x="377109" y="1708754"/>
-            <a:ext cx="4389872" cy="931684"/>
-          </a:xfrm>
-          <a:prstGeom prst="rect">
-            <a:avLst/>
-          </a:prstGeom>
-        </p:spPr>
-      </p:pic>
-      <p:pic>
-        <p:nvPicPr>
-          <p:cNvPr id="9" name="Picture 8"/>
-          <p:cNvPicPr>
-            <a:picLocks noChangeAspect="1"/>
-          </p:cNvPicPr>
-          <p:nvPr/>
-        </p:nvPicPr>
-        <p:blipFill>
-          <a:blip r:embed="rId5"/>
-          <a:stretch>
-            <a:fillRect/>
-          </a:stretch>
-        </p:blipFill>
-        <p:spPr>
-          <a:xfrm>
-            <a:off x="2096861" y="4555717"/>
-            <a:ext cx="2782297" cy="1969205"/>
-          </a:xfrm>
-          <a:prstGeom prst="rect">
-            <a:avLst/>
-          </a:prstGeom>
-        </p:spPr>
-      </p:pic>
-      <p:sp>
-        <p:nvSpPr>
-          <p:cNvPr id="2" name="Footer Placeholder 1"/>
+        </p:txBody>
+      </p:sp>
+      <p:sp>
+        <p:nvSpPr>
+          <p:cNvPr id="4" name="Footer Placeholder 3"/>
           <p:cNvSpPr>
             <a:spLocks noGrp="1"/>
           </p:cNvSpPr>
@@ -12278,15 +12698,15 @@
           <a:p>
             <a:r>
               <a:rPr lang="en-US" smtClean="0"/>
-              <a:t>Copyright © EV3Lessons.com 2015 (Last edit: 2/26/2015)</a:t>
-            </a:r>
-            <a:endParaRPr lang="en-US"/>
-          </a:p>
-        </p:txBody>
-      </p:sp>
-      <p:sp>
-        <p:nvSpPr>
-          <p:cNvPr id="6" name="Slide Number Placeholder 5"/>
+              <a:t>Copyright © EV3Lessons.com 2015 (Last edit: 1/17/2016)</a:t>
+            </a:r>
+            <a:endParaRPr lang="en-US"/>
+          </a:p>
+        </p:txBody>
+      </p:sp>
+      <p:sp>
+        <p:nvSpPr>
+          <p:cNvPr id="5" name="Slide Number Placeholder 4"/>
           <p:cNvSpPr>
             <a:spLocks noGrp="1"/>
           </p:cNvSpPr>
@@ -12310,20 +12730,13 @@
     </p:spTree>
     <p:extLst>
       <p:ext uri="{BB962C8B-B14F-4D97-AF65-F5344CB8AC3E}">
-        <p14:creationId xmlns:p14="http://schemas.microsoft.com/office/powerpoint/2010/main" val="1636715275"/>
+        <p14:creationId xmlns:p14="http://schemas.microsoft.com/office/powerpoint/2010/main" val="1465445409"/>
       </p:ext>
     </p:extLst>
   </p:cSld>
   <p:clrMapOvr>
     <a:masterClrMapping/>
   </p:clrMapOvr>
-  <p:timing>
-    <p:tnLst>
-      <p:par>
-        <p:cTn id="1" dur="indefinite" restart="never" nodeType="tmRoot"/>
-      </p:par>
-    </p:tnLst>
-  </p:timing>
 </p:sld>
 </file>
 
@@ -12361,7 +12774,7 @@
           <a:p>
             <a:r>
               <a:rPr lang="en-US" dirty="0" smtClean="0"/>
-              <a:t>DISPLAY BLOCK CHALLENGE 2</a:t>
+              <a:t>Challenge 2 Solution</a:t>
             </a:r>
             <a:endParaRPr lang="en-US" dirty="0"/>
           </a:p>
@@ -12369,229 +12782,89 @@
       </p:sp>
       <p:sp>
         <p:nvSpPr>
-          <p:cNvPr id="3" name="Content Placeholder 2"/>
-          <p:cNvSpPr>
-            <a:spLocks noGrp="1"/>
-          </p:cNvSpPr>
-          <p:nvPr>
-            <p:ph idx="1"/>
-          </p:nvPr>
-        </p:nvSpPr>
-        <p:spPr>
-          <a:xfrm>
-            <a:off x="457199" y="1424610"/>
-            <a:ext cx="3776430" cy="4892502"/>
-          </a:xfrm>
-          <a:ln>
-            <a:noFill/>
-          </a:ln>
-        </p:spPr>
-        <p:txBody>
-          <a:bodyPr>
-            <a:normAutofit/>
-          </a:bodyPr>
-          <a:lstStyle/>
-          <a:p>
-            <a:r>
-              <a:rPr lang="en-US" b="0" dirty="0" smtClean="0">
-                <a:solidFill>
-                  <a:srgbClr val="3366FF"/>
-                </a:solidFill>
-              </a:rPr>
-              <a:t>Can you display eyes on the screen while moving?  Alternate eyeballs that look left and right.</a:t>
-            </a:r>
-          </a:p>
-          <a:p>
-            <a:pPr marL="800100" lvl="1" indent="-342900">
-              <a:buFont typeface="Arial"/>
-              <a:buChar char="•"/>
-            </a:pPr>
-            <a:r>
-              <a:rPr lang="en-US" b="0" dirty="0" smtClean="0"/>
-              <a:t>Use </a:t>
-            </a:r>
-            <a:r>
-              <a:rPr lang="en-US" b="0" dirty="0"/>
-              <a:t>the Display Block, Motor On and Wait </a:t>
-            </a:r>
-            <a:r>
-              <a:rPr lang="en-US" b="0" dirty="0" smtClean="0"/>
-              <a:t>Block</a:t>
-            </a:r>
-          </a:p>
-          <a:p>
-            <a:pPr marL="800100" lvl="1" indent="-342900">
-              <a:buFont typeface="Arial"/>
-              <a:buChar char="•"/>
-            </a:pPr>
-            <a:endParaRPr lang="en-US" dirty="0"/>
-          </a:p>
-          <a:p>
-            <a:pPr marL="342900" indent="-342900">
-              <a:buFont typeface="Arial"/>
-              <a:buChar char="•"/>
-            </a:pPr>
-            <a:r>
-              <a:rPr lang="en-US" b="0" dirty="0" smtClean="0"/>
-              <a:t>Feel free to have fun with this challenge and make it yours!</a:t>
-            </a:r>
-            <a:endParaRPr lang="en-US" b="0" dirty="0"/>
-          </a:p>
-          <a:p>
-            <a:endParaRPr lang="en-US" b="0" dirty="0"/>
+          <p:cNvPr id="4" name="Footer Placeholder 3"/>
+          <p:cNvSpPr>
+            <a:spLocks noGrp="1"/>
+          </p:cNvSpPr>
+          <p:nvPr>
+            <p:ph type="ftr" sz="quarter" idx="11"/>
+          </p:nvPr>
+        </p:nvSpPr>
+        <p:spPr/>
+        <p:txBody>
+          <a:bodyPr/>
+          <a:lstStyle/>
+          <a:p>
+            <a:r>
+              <a:rPr lang="en-US" smtClean="0"/>
+              <a:t>Copyright © EV3Lessons.com 2015 (Last edit: 1/17/2016)</a:t>
+            </a:r>
+            <a:endParaRPr lang="en-US"/>
+          </a:p>
+        </p:txBody>
+      </p:sp>
+      <p:sp>
+        <p:nvSpPr>
+          <p:cNvPr id="5" name="Slide Number Placeholder 4"/>
+          <p:cNvSpPr>
+            <a:spLocks noGrp="1"/>
+          </p:cNvSpPr>
+          <p:nvPr>
+            <p:ph type="sldNum" sz="quarter" idx="12"/>
+          </p:nvPr>
+        </p:nvSpPr>
+        <p:spPr/>
+        <p:txBody>
+          <a:bodyPr/>
+          <a:lstStyle/>
+          <a:p>
+            <a:fld id="{4DBC7FC8-25FB-FC45-8177-2B991DA6778C}" type="slidenum">
+              <a:rPr lang="en-US" smtClean="0"/>
+              <a:t>9</a:t>
+            </a:fld>
+            <a:endParaRPr lang="en-US"/>
           </a:p>
         </p:txBody>
       </p:sp>
       <p:pic>
         <p:nvPicPr>
-          <p:cNvPr id="7" name="Picture 6" descr="Screen Shot 2014-08-08 at 5.44.32 PM.png"/>
+          <p:cNvPr id="6" name="Picture 5"/>
           <p:cNvPicPr>
             <a:picLocks noChangeAspect="1"/>
           </p:cNvPicPr>
           <p:nvPr/>
         </p:nvPicPr>
         <p:blipFill rotWithShape="1">
-          <a:blip r:embed="rId3">
+          <a:blip r:embed="rId2">
             <a:extLst>
               <a:ext uri="{28A0092B-C50C-407E-A947-70E740481C1C}">
                 <a14:useLocalDpi xmlns:a14="http://schemas.microsoft.com/office/drawing/2010/main" val="0"/>
               </a:ext>
             </a:extLst>
           </a:blip>
-          <a:srcRect l="19686" r="41425"/>
+          <a:srcRect l="3382" r="1617"/>
           <a:stretch/>
         </p:blipFill>
         <p:spPr>
           <a:xfrm>
-            <a:off x="4818048" y="1361358"/>
-            <a:ext cx="3556001" cy="2509503"/>
+            <a:off x="84211" y="1105647"/>
+            <a:ext cx="8686800" cy="4670323"/>
           </a:xfrm>
           <a:prstGeom prst="rect">
             <a:avLst/>
           </a:prstGeom>
         </p:spPr>
       </p:pic>
-      <p:sp>
-        <p:nvSpPr>
-          <p:cNvPr id="4" name="Footer Placeholder 3"/>
-          <p:cNvSpPr>
-            <a:spLocks noGrp="1"/>
-          </p:cNvSpPr>
-          <p:nvPr>
-            <p:ph type="ftr" sz="quarter" idx="11"/>
-          </p:nvPr>
-        </p:nvSpPr>
-        <p:spPr/>
-        <p:txBody>
-          <a:bodyPr/>
-          <a:lstStyle/>
-          <a:p>
-            <a:r>
-              <a:rPr lang="en-US" smtClean="0"/>
-              <a:t>Copyright © EV3Lessons.com 2015 (Last edit: 2/26/2015)</a:t>
-            </a:r>
-            <a:endParaRPr lang="en-US"/>
-          </a:p>
-        </p:txBody>
-      </p:sp>
-      <p:pic>
-        <p:nvPicPr>
-          <p:cNvPr id="5" name="Picture 4"/>
-          <p:cNvPicPr>
-            <a:picLocks noChangeAspect="1"/>
-          </p:cNvPicPr>
-          <p:nvPr/>
-        </p:nvPicPr>
-        <p:blipFill rotWithShape="1">
-          <a:blip r:embed="rId4">
-            <a:extLst>
-              <a:ext uri="{28A0092B-C50C-407E-A947-70E740481C1C}">
-                <a14:useLocalDpi xmlns:a14="http://schemas.microsoft.com/office/drawing/2010/main" val="0"/>
-              </a:ext>
-            </a:extLst>
-          </a:blip>
-          <a:srcRect l="29500" r="19750"/>
-          <a:stretch/>
-        </p:blipFill>
-        <p:spPr>
-          <a:xfrm>
-            <a:off x="6827189" y="3684270"/>
-            <a:ext cx="1546860" cy="2019300"/>
-          </a:xfrm>
-          <a:prstGeom prst="rect">
-            <a:avLst/>
-          </a:prstGeom>
-        </p:spPr>
-      </p:pic>
-      <p:pic>
-        <p:nvPicPr>
-          <p:cNvPr id="10" name="Picture 9"/>
-          <p:cNvPicPr>
-            <a:picLocks noChangeAspect="1"/>
-          </p:cNvPicPr>
-          <p:nvPr/>
-        </p:nvPicPr>
-        <p:blipFill rotWithShape="1">
-          <a:blip r:embed="rId5">
-            <a:extLst>
-              <a:ext uri="{28A0092B-C50C-407E-A947-70E740481C1C}">
-                <a14:useLocalDpi xmlns:a14="http://schemas.microsoft.com/office/drawing/2010/main" val="0"/>
-              </a:ext>
-            </a:extLst>
-          </a:blip>
-          <a:srcRect l="14750" r="24250"/>
-          <a:stretch/>
-        </p:blipFill>
-        <p:spPr>
-          <a:xfrm>
-            <a:off x="4775351" y="3684270"/>
-            <a:ext cx="1859280" cy="2019300"/>
-          </a:xfrm>
-          <a:prstGeom prst="rect">
-            <a:avLst/>
-          </a:prstGeom>
-        </p:spPr>
-      </p:pic>
-      <p:sp>
-        <p:nvSpPr>
-          <p:cNvPr id="6" name="Slide Number Placeholder 5"/>
-          <p:cNvSpPr>
-            <a:spLocks noGrp="1"/>
-          </p:cNvSpPr>
-          <p:nvPr>
-            <p:ph type="sldNum" sz="quarter" idx="12"/>
-          </p:nvPr>
-        </p:nvSpPr>
-        <p:spPr/>
-        <p:txBody>
-          <a:bodyPr/>
-          <a:lstStyle/>
-          <a:p>
-            <a:fld id="{4DBC7FC8-25FB-FC45-8177-2B991DA6778C}" type="slidenum">
-              <a:rPr lang="en-US" smtClean="0"/>
-              <a:t>9</a:t>
-            </a:fld>
-            <a:endParaRPr lang="en-US"/>
-          </a:p>
-        </p:txBody>
-      </p:sp>
     </p:spTree>
     <p:extLst>
       <p:ext uri="{BB962C8B-B14F-4D97-AF65-F5344CB8AC3E}">
-        <p14:creationId xmlns:p14="http://schemas.microsoft.com/office/powerpoint/2010/main" val="3760637178"/>
+        <p14:creationId xmlns:p14="http://schemas.microsoft.com/office/powerpoint/2010/main" val="1078264463"/>
       </p:ext>
     </p:extLst>
   </p:cSld>
   <p:clrMapOvr>
     <a:masterClrMapping/>
   </p:clrMapOvr>
-  <p:timing>
-    <p:tnLst>
-      <p:par>
-        <p:cTn id="1" dur="indefinite" restart="never" nodeType="tmRoot"/>
-      </p:par>
-    </p:tnLst>
-  </p:timing>
 </p:sld>
 </file>
 

--- a/translations/en-us/beginner/Display.pptx
+++ b/translations/en-us/beginner/Display.pptx
@@ -226,7 +226,7 @@
           <a:p>
             <a:fld id="{F8D9B3D7-15CB-9343-AA49-EFB5A8F33F18}" type="datetimeFigureOut">
               <a:rPr lang="en-US" smtClean="0"/>
-              <a:t>7/4/16</a:t>
+              <a:t>7/19/16</a:t>
             </a:fld>
             <a:endParaRPr lang="en-US"/>
           </a:p>
@@ -392,7 +392,7 @@
           <a:p>
             <a:fld id="{FD3EFF1E-85A1-6640-AFB9-C38833E80A84}" type="datetimeFigureOut">
               <a:rPr lang="en-US" smtClean="0"/>
-              <a:t>7/4/16</a:t>
+              <a:t>7/19/16</a:t>
             </a:fld>
             <a:endParaRPr lang="en-US"/>
           </a:p>
@@ -1128,7 +1128,7 @@
           <a:p>
             <a:fld id="{F37D83BA-B3CF-5049-9E4D-B8916281C1A8}" type="datetime1">
               <a:rPr lang="en-US" smtClean="0"/>
-              <a:t>7/4/16</a:t>
+              <a:t>7/19/16</a:t>
             </a:fld>
             <a:endParaRPr lang="en-US"/>
           </a:p>
@@ -1302,7 +1302,7 @@
           <a:p>
             <a:fld id="{748C37E7-53C5-E24D-ADD6-C90628716793}" type="datetime1">
               <a:rPr lang="en-US" smtClean="0"/>
-              <a:t>7/4/16</a:t>
+              <a:t>7/19/16</a:t>
             </a:fld>
             <a:endParaRPr lang="en-US"/>
           </a:p>
@@ -1486,7 +1486,7 @@
           <a:p>
             <a:fld id="{6C435912-7A37-1A46-A397-24482532ACB1}" type="datetime1">
               <a:rPr lang="en-US" smtClean="0"/>
-              <a:t>7/4/16</a:t>
+              <a:t>7/19/16</a:t>
             </a:fld>
             <a:endParaRPr lang="en-US"/>
           </a:p>
@@ -1703,7 +1703,7 @@
           <a:p>
             <a:fld id="{A351FD2B-0941-FC4A-BBF1-A878F3F4DFB9}" type="datetime1">
               <a:rPr lang="en-US" smtClean="0"/>
-              <a:t>7/4/16</a:t>
+              <a:t>7/19/16</a:t>
             </a:fld>
             <a:endParaRPr lang="en-US"/>
           </a:p>
@@ -1922,7 +1922,7 @@
           <a:noFill/>
           <a:extLst>
             <a:ext uri="{909E8E84-426E-40dd-AFC4-6F175D3DCCD1}">
-              <a14:hiddenFill xmlns:a14="http://schemas.microsoft.com/office/drawing/2010/main" xmlns="">
+              <a14:hiddenFill xmlns="" xmlns:a14="http://schemas.microsoft.com/office/drawing/2010/main">
                 <a:solidFill>
                   <a:srgbClr val="FFFFFF"/>
                 </a:solidFill>
@@ -2254,7 +2254,7 @@
           <a:p>
             <a:fld id="{D31C7733-8542-A14D-820A-9C7F5370C87F}" type="datetime1">
               <a:rPr lang="en-US" smtClean="0"/>
-              <a:t>7/4/16</a:t>
+              <a:t>7/19/16</a:t>
             </a:fld>
             <a:endParaRPr lang="en-US"/>
           </a:p>
@@ -2527,7 +2527,7 @@
           <a:p>
             <a:fld id="{F16724F9-AC20-2641-8F9A-BF7F52A51EDC}" type="datetime1">
               <a:rPr lang="en-US" smtClean="0"/>
-              <a:t>7/4/16</a:t>
+              <a:t>7/19/16</a:t>
             </a:fld>
             <a:endParaRPr lang="en-US"/>
           </a:p>
@@ -2832,7 +2832,7 @@
           <a:p>
             <a:fld id="{526AF3C7-EA47-874D-BC42-3580C9373007}" type="datetime1">
               <a:rPr lang="en-US" smtClean="0"/>
-              <a:t>7/4/16</a:t>
+              <a:t>7/19/16</a:t>
             </a:fld>
             <a:endParaRPr lang="en-US"/>
           </a:p>
@@ -3295,7 +3295,7 @@
           <a:p>
             <a:fld id="{133EC8DD-CF8B-3E4F-9DDA-EE8D4E0FAE3B}" type="datetime1">
               <a:rPr lang="en-US" smtClean="0"/>
-              <a:t>7/4/16</a:t>
+              <a:t>7/19/16</a:t>
             </a:fld>
             <a:endParaRPr lang="en-US"/>
           </a:p>
@@ -3432,7 +3432,7 @@
           <a:p>
             <a:fld id="{5F96A78E-25D2-6641-8078-53C6AC6BF8FA}" type="datetime1">
               <a:rPr lang="en-US" smtClean="0"/>
-              <a:t>7/4/16</a:t>
+              <a:t>7/19/16</a:t>
             </a:fld>
             <a:endParaRPr lang="en-US"/>
           </a:p>
@@ -3546,7 +3546,7 @@
           <a:p>
             <a:fld id="{C339DA91-AD5F-B245-9932-1DD5C7DE4434}" type="datetime1">
               <a:rPr lang="en-US" smtClean="0"/>
-              <a:t>7/4/16</a:t>
+              <a:t>7/19/16</a:t>
             </a:fld>
             <a:endParaRPr lang="en-US"/>
           </a:p>
@@ -3805,7 +3805,7 @@
           <a:p>
             <a:fld id="{443B765B-820F-DA44-B8A4-98654B26395C}" type="datetime1">
               <a:rPr lang="en-US" smtClean="0"/>
-              <a:t>7/4/16</a:t>
+              <a:t>7/19/16</a:t>
             </a:fld>
             <a:endParaRPr lang="en-US"/>
           </a:p>
@@ -4010,7 +4010,7 @@
           <a:p>
             <a:fld id="{C90F9D43-A96A-0648-89EA-41B497708097}" type="datetime1">
               <a:rPr lang="en-US" smtClean="0"/>
-              <a:t>7/4/16</a:t>
+              <a:t>7/19/16</a:t>
             </a:fld>
             <a:endParaRPr lang="en-US"/>
           </a:p>
@@ -4290,7 +4290,7 @@
           <a:p>
             <a:fld id="{EA8A07FB-0BC7-B944-A142-37461F81A533}" type="datetime1">
               <a:rPr lang="en-US" smtClean="0"/>
-              <a:t>7/4/16</a:t>
+              <a:t>7/19/16</a:t>
             </a:fld>
             <a:endParaRPr lang="en-US"/>
           </a:p>
@@ -4560,7 +4560,7 @@
           <a:p>
             <a:fld id="{925E7BE2-A6D9-C842-86AA-996A419926E0}" type="datetime1">
               <a:rPr lang="en-US" smtClean="0"/>
-              <a:t>7/4/16</a:t>
+              <a:t>7/19/16</a:t>
             </a:fld>
             <a:endParaRPr lang="en-US"/>
           </a:p>
@@ -4752,7 +4752,7 @@
           <a:p>
             <a:fld id="{79F46963-DD7F-6847-A89D-EF272705C54A}" type="datetime1">
               <a:rPr lang="en-US" smtClean="0"/>
-              <a:t>7/4/16</a:t>
+              <a:t>7/19/16</a:t>
             </a:fld>
             <a:endParaRPr lang="en-US"/>
           </a:p>
@@ -4956,7 +4956,7 @@
           <a:p>
             <a:fld id="{8AC0D8E3-831A-6242-9FE6-F418D9091803}" type="datetime1">
               <a:rPr lang="en-US" smtClean="0"/>
-              <a:t>7/4/16</a:t>
+              <a:t>7/19/16</a:t>
             </a:fld>
             <a:endParaRPr lang="en-US"/>
           </a:p>
@@ -5130,7 +5130,7 @@
           <a:p>
             <a:fld id="{AB7E4CCA-9154-074E-A424-1BD460D778FF}" type="datetime1">
               <a:rPr lang="en-US" smtClean="0"/>
-              <a:t>7/4/16</a:t>
+              <a:t>7/19/16</a:t>
             </a:fld>
             <a:endParaRPr lang="en-US"/>
           </a:p>
@@ -5380,7 +5380,7 @@
           <a:p>
             <a:fld id="{75FDE594-2023-C941-96BE-3F272ED009B8}" type="datetime1">
               <a:rPr lang="en-US" smtClean="0"/>
-              <a:t>7/4/16</a:t>
+              <a:t>7/19/16</a:t>
             </a:fld>
             <a:endParaRPr lang="en-US"/>
           </a:p>
@@ -5616,7 +5616,7 @@
           <a:p>
             <a:fld id="{A5CFB09D-1AD6-C742-936F-EADDC9B7A12C}" type="datetime1">
               <a:rPr lang="en-US" smtClean="0"/>
-              <a:t>7/4/16</a:t>
+              <a:t>7/19/16</a:t>
             </a:fld>
             <a:endParaRPr lang="en-US"/>
           </a:p>
@@ -5987,7 +5987,7 @@
           <a:p>
             <a:fld id="{B820A7EA-4976-3446-8917-BAFBD7645CB0}" type="datetime1">
               <a:rPr lang="en-US" smtClean="0"/>
-              <a:t>7/4/16</a:t>
+              <a:t>7/19/16</a:t>
             </a:fld>
             <a:endParaRPr lang="en-US"/>
           </a:p>
@@ -6109,7 +6109,7 @@
           <a:p>
             <a:fld id="{99911295-1152-6040-9D94-F74B16BF599E}" type="datetime1">
               <a:rPr lang="en-US" smtClean="0"/>
-              <a:t>7/4/16</a:t>
+              <a:t>7/19/16</a:t>
             </a:fld>
             <a:endParaRPr lang="en-US"/>
           </a:p>
@@ -6208,7 +6208,7 @@
           <a:p>
             <a:fld id="{14D6EBAF-E9AB-D240-ADB3-3EB7FA8C05BF}" type="datetime1">
               <a:rPr lang="en-US" smtClean="0"/>
-              <a:t>7/4/16</a:t>
+              <a:t>7/19/16</a:t>
             </a:fld>
             <a:endParaRPr lang="en-US"/>
           </a:p>
@@ -6458,7 +6458,7 @@
           <a:p>
             <a:fld id="{105BD167-6426-EE46-BF31-958529310DF4}" type="datetime1">
               <a:rPr lang="en-US" smtClean="0"/>
-              <a:t>7/4/16</a:t>
+              <a:t>7/19/16</a:t>
             </a:fld>
             <a:endParaRPr lang="en-US"/>
           </a:p>
@@ -6739,7 +6739,7 @@
           <a:p>
             <a:fld id="{6E602E7E-DA70-AA42-A293-DDCF3208C2DA}" type="datetime1">
               <a:rPr lang="en-US" smtClean="0"/>
-              <a:t>7/4/16</a:t>
+              <a:t>7/19/16</a:t>
             </a:fld>
             <a:endParaRPr lang="en-US"/>
           </a:p>
@@ -7000,7 +7000,7 @@
           <a:p>
             <a:fld id="{DE0A853C-9D55-0D45-A8D0-410EA045567C}" type="datetime1">
               <a:rPr lang="en-US" smtClean="0"/>
-              <a:t>7/4/16</a:t>
+              <a:t>7/19/16</a:t>
             </a:fld>
             <a:endParaRPr lang="en-US"/>
           </a:p>
@@ -7174,7 +7174,7 @@
           <a:p>
             <a:fld id="{75FC7143-59EA-1042-A181-1EA9D05B4C01}" type="datetime1">
               <a:rPr lang="en-US" smtClean="0"/>
-              <a:t>7/4/16</a:t>
+              <a:t>7/19/16</a:t>
             </a:fld>
             <a:endParaRPr lang="en-US"/>
           </a:p>
@@ -7358,7 +7358,7 @@
           <a:p>
             <a:fld id="{3D8FFAE9-770D-534A-A6B2-C02DE62B92F5}" type="datetime1">
               <a:rPr lang="en-US" smtClean="0"/>
-              <a:t>7/4/16</a:t>
+              <a:t>7/19/16</a:t>
             </a:fld>
             <a:endParaRPr lang="en-US"/>
           </a:p>
@@ -7594,7 +7594,7 @@
           <a:p>
             <a:fld id="{EF8B1A54-67EA-FE4F-B007-99F48F8D362E}" type="datetime1">
               <a:rPr lang="en-US" smtClean="0"/>
-              <a:t>7/4/16</a:t>
+              <a:t>7/19/16</a:t>
             </a:fld>
             <a:endParaRPr lang="en-US"/>
           </a:p>
@@ -7965,7 +7965,7 @@
           <a:p>
             <a:fld id="{243602A5-4004-D546-9C23-137714CCE981}" type="datetime1">
               <a:rPr lang="en-US" smtClean="0"/>
-              <a:t>7/4/16</a:t>
+              <a:t>7/19/16</a:t>
             </a:fld>
             <a:endParaRPr lang="en-US"/>
           </a:p>
@@ -8087,7 +8087,7 @@
           <a:p>
             <a:fld id="{0F7ADEC7-1F51-7E4E-9987-E0817D3169D8}" type="datetime1">
               <a:rPr lang="en-US" smtClean="0"/>
-              <a:t>7/4/16</a:t>
+              <a:t>7/19/16</a:t>
             </a:fld>
             <a:endParaRPr lang="en-US"/>
           </a:p>
@@ -8186,7 +8186,7 @@
           <a:p>
             <a:fld id="{62BED1DD-FC53-A64D-A61A-1BBDA4C1F052}" type="datetime1">
               <a:rPr lang="en-US" smtClean="0"/>
-              <a:t>7/4/16</a:t>
+              <a:t>7/19/16</a:t>
             </a:fld>
             <a:endParaRPr lang="en-US"/>
           </a:p>
@@ -8467,7 +8467,7 @@
           <a:p>
             <a:fld id="{D3232E57-03BC-8D49-9B41-185CAF91D2AA}" type="datetime1">
               <a:rPr lang="en-US" smtClean="0"/>
-              <a:t>7/4/16</a:t>
+              <a:t>7/19/16</a:t>
             </a:fld>
             <a:endParaRPr lang="en-US"/>
           </a:p>
@@ -8724,7 +8724,7 @@
           <a:p>
             <a:fld id="{84CF46B4-E64B-614A-9E66-67E01DB1DC3C}" type="datetime1">
               <a:rPr lang="en-US" smtClean="0"/>
-              <a:t>7/4/16</a:t>
+              <a:t>7/19/16</a:t>
             </a:fld>
             <a:endParaRPr lang="en-US"/>
           </a:p>
@@ -8941,7 +8941,7 @@
           <a:p>
             <a:fld id="{32F6111D-B5B6-AA4A-BF01-97DDB5086053}" type="datetime1">
               <a:rPr lang="en-US" smtClean="0"/>
-              <a:t>7/4/16</a:t>
+              <a:t>7/19/16</a:t>
             </a:fld>
             <a:endParaRPr lang="en-US"/>
           </a:p>
@@ -9484,7 +9484,7 @@
           <a:p>
             <a:fld id="{B29611CE-5D41-DA45-AF39-6B554CA772B2}" type="datetime1">
               <a:rPr lang="en-US" smtClean="0"/>
-              <a:t>7/4/16</a:t>
+              <a:t>7/19/16</a:t>
             </a:fld>
             <a:endParaRPr lang="en-US"/>
           </a:p>
@@ -10249,7 +10249,7 @@
           <a:p>
             <a:fld id="{28C8DDE0-17C7-9D48-B637-E64A0419237D}" type="datetime1">
               <a:rPr lang="en-US" smtClean="0"/>
-              <a:t>7/4/16</a:t>
+              <a:t>7/19/16</a:t>
             </a:fld>
             <a:endParaRPr lang="en-US"/>
           </a:p>
@@ -10706,6 +10706,35 @@
           </a:p>
         </p:txBody>
       </p:sp>
+      <p:pic>
+        <p:nvPicPr>
+          <p:cNvPr id="4" name="Picture 3"/>
+          <p:cNvPicPr>
+            <a:picLocks noChangeAspect="1"/>
+          </p:cNvPicPr>
+          <p:nvPr/>
+        </p:nvPicPr>
+        <p:blipFill rotWithShape="1">
+          <a:blip r:embed="rId3">
+            <a:extLst>
+              <a:ext uri="{28A0092B-C50C-407E-A947-70E740481C1C}">
+                <a14:useLocalDpi xmlns:a14="http://schemas.microsoft.com/office/drawing/2010/main" val="0"/>
+              </a:ext>
+            </a:extLst>
+          </a:blip>
+          <a:srcRect l="4523" t="17619" r="3095" b="25000"/>
+          <a:stretch/>
+        </p:blipFill>
+        <p:spPr>
+          <a:xfrm>
+            <a:off x="3711108" y="4592409"/>
+            <a:ext cx="1700816" cy="1056435"/>
+          </a:xfrm>
+          <a:prstGeom prst="rect">
+            <a:avLst/>
+          </a:prstGeom>
+        </p:spPr>
+      </p:pic>
     </p:spTree>
     <p:extLst>
       <p:ext uri="{BB962C8B-B14F-4D97-AF65-F5344CB8AC3E}">
@@ -11752,13 +11781,8 @@
             </a:pPr>
             <a:r>
               <a:rPr lang="en-US" sz="1800" dirty="0" smtClean="0"/>
-              <a:t>This tutorial was created by Sanjay Seshan and </a:t>
-            </a:r>
-            <a:r>
-              <a:rPr lang="en-US" sz="1800" dirty="0" smtClean="0"/>
-              <a:t>Arvind</a:t>
-            </a:r>
-            <a:endParaRPr lang="en-US" sz="1800" dirty="0" smtClean="0"/>
+              <a:t>This tutorial was created by Sanjay Seshan and Arvind</a:t>
+            </a:r>
           </a:p>
           <a:p>
             <a:pPr marL="342900" indent="-342900">
@@ -11767,11 +11791,7 @@
             </a:pPr>
             <a:r>
               <a:rPr lang="en-US" sz="1800" dirty="0" smtClean="0"/>
-              <a:t>More lessons are available at </a:t>
-            </a:r>
-            <a:r>
-              <a:rPr lang="en-US" sz="1800" dirty="0" smtClean="0"/>
-              <a:t>www.ev3lessons.com</a:t>
+              <a:t>More lessons are available at www.ev3lessons.com</a:t>
             </a:r>
             <a:r>
               <a:rPr lang="en-US" sz="1800" b="0" dirty="0"/>
@@ -11809,7 +11829,7 @@
           <a:effectLst/>
           <a:extLst>
             <a:ext uri="{91240B29-F687-4f45-9708-019B960494DF}">
-              <a14:hiddenLine xmlns:a14="http://schemas.microsoft.com/office/drawing/2010/main" xmlns="" w="9525">
+              <a14:hiddenLine xmlns="" xmlns:a14="http://schemas.microsoft.com/office/drawing/2010/main" w="9525">
                 <a:solidFill>
                   <a:schemeClr val="tx1"/>
                 </a:solidFill>
@@ -11819,7 +11839,7 @@
               </a14:hiddenLine>
             </a:ext>
             <a:ext uri="{AF507438-7753-43e0-B8FC-AC1667EBCBE1}">
-              <a14:hiddenEffects xmlns:a14="http://schemas.microsoft.com/office/drawing/2010/main" xmlns="">
+              <a14:hiddenEffects xmlns="" xmlns:a14="http://schemas.microsoft.com/office/drawing/2010/main">
                 <a:effectLst>
                   <a:outerShdw dist="35921" dir="2700000" algn="ctr" rotWithShape="0">
                     <a:schemeClr val="bg2"/>
@@ -12172,7 +12192,7 @@
           <a:noFill/>
           <a:extLst>
             <a:ext uri="{909E8E84-426E-40dd-AFC4-6F175D3DCCD1}">
-              <a14:hiddenFill xmlns:a14="http://schemas.microsoft.com/office/drawing/2010/main" xmlns="">
+              <a14:hiddenFill xmlns="" xmlns:a14="http://schemas.microsoft.com/office/drawing/2010/main">
                 <a:solidFill>
                   <a:srgbClr val="FFFFFF"/>
                 </a:solidFill>
@@ -12943,7 +12963,7 @@
             </a:ln>
             <a:extLst>
               <a:ext uri="{909E8E84-426E-40dd-AFC4-6F175D3DCCD1}">
-                <a14:hiddenFill xmlns:a14="http://schemas.microsoft.com/office/drawing/2010/main" xmlns="">
+                <a14:hiddenFill xmlns="" xmlns:a14="http://schemas.microsoft.com/office/drawing/2010/main">
                   <a:solidFill>
                     <a:srgbClr val="FFFFFF"/>
                   </a:solidFill>
@@ -13166,7 +13186,7 @@
             </a:ln>
             <a:extLst>
               <a:ext uri="{909E8E84-426E-40dd-AFC4-6F175D3DCCD1}">
-                <a14:hiddenFill xmlns:a14="http://schemas.microsoft.com/office/drawing/2010/main" xmlns="">
+                <a14:hiddenFill xmlns="" xmlns:a14="http://schemas.microsoft.com/office/drawing/2010/main">
                   <a:solidFill>
                     <a:srgbClr val="FFFFFF"/>
                   </a:solidFill>
@@ -13446,7 +13466,7 @@
             </a:ln>
             <a:extLst>
               <a:ext uri="{909E8E84-426E-40dd-AFC4-6F175D3DCCD1}">
-                <a14:hiddenFill xmlns:a14="http://schemas.microsoft.com/office/drawing/2010/main" xmlns="">
+                <a14:hiddenFill xmlns="" xmlns:a14="http://schemas.microsoft.com/office/drawing/2010/main">
                   <a:solidFill>
                     <a:srgbClr val="FFFFFF"/>
                   </a:solidFill>
@@ -13670,7 +13690,7 @@
             </a:ln>
             <a:extLst>
               <a:ext uri="{909E8E84-426E-40dd-AFC4-6F175D3DCCD1}">
-                <a14:hiddenFill xmlns:a14="http://schemas.microsoft.com/office/drawing/2010/main" xmlns="">
+                <a14:hiddenFill xmlns="" xmlns:a14="http://schemas.microsoft.com/office/drawing/2010/main">
                   <a:solidFill>
                     <a:srgbClr val="FFFFFF"/>
                   </a:solidFill>
@@ -13894,7 +13914,7 @@
             </a:ln>
             <a:extLst>
               <a:ext uri="{909E8E84-426E-40dd-AFC4-6F175D3DCCD1}">
-                <a14:hiddenFill xmlns:a14="http://schemas.microsoft.com/office/drawing/2010/main" xmlns="">
+                <a14:hiddenFill xmlns="" xmlns:a14="http://schemas.microsoft.com/office/drawing/2010/main">
                   <a:solidFill>
                     <a:srgbClr val="FFFFFF"/>
                   </a:solidFill>
@@ -14118,7 +14138,7 @@
             </a:ln>
             <a:extLst>
               <a:ext uri="{909E8E84-426E-40dd-AFC4-6F175D3DCCD1}">
-                <a14:hiddenFill xmlns:a14="http://schemas.microsoft.com/office/drawing/2010/main" xmlns="">
+                <a14:hiddenFill xmlns="" xmlns:a14="http://schemas.microsoft.com/office/drawing/2010/main">
                   <a:solidFill>
                     <a:srgbClr val="FFFFFF"/>
                   </a:solidFill>
@@ -14342,7 +14362,7 @@
             </a:ln>
             <a:extLst>
               <a:ext uri="{909E8E84-426E-40dd-AFC4-6F175D3DCCD1}">
-                <a14:hiddenFill xmlns:a14="http://schemas.microsoft.com/office/drawing/2010/main" xmlns="">
+                <a14:hiddenFill xmlns="" xmlns:a14="http://schemas.microsoft.com/office/drawing/2010/main">
                   <a:solidFill>
                     <a:srgbClr val="FFFFFF"/>
                   </a:solidFill>
@@ -14566,7 +14586,7 @@
             </a:ln>
             <a:extLst>
               <a:ext uri="{909E8E84-426E-40dd-AFC4-6F175D3DCCD1}">
-                <a14:hiddenFill xmlns:a14="http://schemas.microsoft.com/office/drawing/2010/main" xmlns="">
+                <a14:hiddenFill xmlns="" xmlns:a14="http://schemas.microsoft.com/office/drawing/2010/main">
                   <a:solidFill>
                     <a:srgbClr val="FFFFFF"/>
                   </a:solidFill>
@@ -15042,7 +15062,7 @@
           </a:ln>
           <a:extLst>
             <a:ext uri="{909E8E84-426E-40dd-AFC4-6F175D3DCCD1}">
-              <a14:hiddenFill xmlns:a14="http://schemas.microsoft.com/office/drawing/2010/main" xmlns="">
+              <a14:hiddenFill xmlns="" xmlns:a14="http://schemas.microsoft.com/office/drawing/2010/main">
                 <a:solidFill>
                   <a:srgbClr val="FFFFFF"/>
                 </a:solidFill>
